--- a/powerpoint/00_題目練習.pptx
+++ b/powerpoint/00_題目練習.pptx
@@ -105,6 +105,11 @@
       </a:defRPr>
     </a:lvl9pPr>
   </p:defaultTextStyle>
+  <p:extLst>
+    <p:ext uri="{EFAFB233-063F-42B5-8137-9DF3F51BA10A}">
+      <p15:sldGuideLst xmlns:p15="http://schemas.microsoft.com/office/powerpoint/2012/main"/>
+    </p:ext>
+  </p:extLst>
 </p:presentation>
 </file>
 

--- a/powerpoint/00_題目練習.pptx
+++ b/powerpoint/00_題目練習.pptx
@@ -2,8 +2,14 @@
 <file path=ppt/presentation.xml><?xml version="1.0" encoding="utf-8"?>
 <p:presentation xmlns:a="http://schemas.openxmlformats.org/drawingml/2006/main" xmlns:r="http://schemas.openxmlformats.org/officeDocument/2006/relationships" xmlns:p="http://schemas.openxmlformats.org/presentationml/2006/main" saveSubsetFonts="1">
   <p:sldMasterIdLst>
-    <p:sldMasterId id="2147483660" r:id="rId1"/>
+    <p:sldMasterId id="2147483736" r:id="rId1"/>
   </p:sldMasterIdLst>
+  <p:notesMasterIdLst>
+    <p:notesMasterId r:id="rId4"/>
+  </p:notesMasterIdLst>
+  <p:handoutMasterIdLst>
+    <p:handoutMasterId r:id="rId5"/>
+  </p:handoutMasterIdLst>
   <p:sldIdLst>
     <p:sldId id="256" r:id="rId2"/>
     <p:sldId id="257" r:id="rId3"/>
@@ -109,8 +115,549 @@
     <p:ext uri="{EFAFB233-063F-42B5-8137-9DF3F51BA10A}">
       <p15:sldGuideLst xmlns:p15="http://schemas.microsoft.com/office/powerpoint/2012/main"/>
     </p:ext>
+    <p:ext uri="{2D200454-40CA-4A62-9FC3-DE9A4176ACB9}">
+      <p15:notesGuideLst xmlns:p15="http://schemas.microsoft.com/office/powerpoint/2012/main"/>
+    </p:ext>
   </p:extLst>
 </p:presentation>
+</file>
+
+<file path=ppt/handoutMasters/handoutMaster1.xml><?xml version="1.0" encoding="utf-8"?>
+<p:handoutMaster xmlns:a="http://schemas.openxmlformats.org/drawingml/2006/main" xmlns:r="http://schemas.openxmlformats.org/officeDocument/2006/relationships" xmlns:p="http://schemas.openxmlformats.org/presentationml/2006/main">
+  <p:cSld>
+    <p:bg>
+      <p:bgRef idx="1001">
+        <a:schemeClr val="bg1"/>
+      </p:bgRef>
+    </p:bg>
+    <p:spTree>
+      <p:nvGrpSpPr>
+        <p:cNvPr id="1" name=""/>
+        <p:cNvGrpSpPr/>
+        <p:nvPr/>
+      </p:nvGrpSpPr>
+      <p:grpSpPr>
+        <a:xfrm>
+          <a:off x="0" y="0"/>
+          <a:ext cx="0" cy="0"/>
+          <a:chOff x="0" y="0"/>
+          <a:chExt cx="0" cy="0"/>
+        </a:xfrm>
+      </p:grpSpPr>
+      <p:sp>
+        <p:nvSpPr>
+          <p:cNvPr id="2" name="頁首版面配置區 1">
+            <a:extLst>
+              <a:ext uri="{FF2B5EF4-FFF2-40B4-BE49-F238E27FC236}">
+                <a16:creationId xmlns:a16="http://schemas.microsoft.com/office/drawing/2014/main" id="{AC9CE3F5-FE25-4198-AB52-DD2588F433CE}"/>
+              </a:ext>
+            </a:extLst>
+          </p:cNvPr>
+          <p:cNvSpPr>
+            <a:spLocks noGrp="1"/>
+          </p:cNvSpPr>
+          <p:nvPr>
+            <p:ph type="hdr" sz="quarter"/>
+          </p:nvPr>
+        </p:nvSpPr>
+        <p:spPr>
+          <a:xfrm>
+            <a:off x="0" y="0"/>
+            <a:ext cx="2971800" cy="458788"/>
+          </a:xfrm>
+          <a:prstGeom prst="rect">
+            <a:avLst/>
+          </a:prstGeom>
+        </p:spPr>
+        <p:txBody>
+          <a:bodyPr vert="horz" lIns="91440" tIns="45720" rIns="91440" bIns="45720" rtlCol="0"/>
+          <a:lstStyle>
+            <a:lvl1pPr algn="l">
+              <a:defRPr sz="1200"/>
+            </a:lvl1pPr>
+          </a:lstStyle>
+          <a:p>
+            <a:endParaRPr lang="zh-TW" altLang="en-US"/>
+          </a:p>
+        </p:txBody>
+      </p:sp>
+      <p:sp>
+        <p:nvSpPr>
+          <p:cNvPr id="3" name="日期版面配置區 2">
+            <a:extLst>
+              <a:ext uri="{FF2B5EF4-FFF2-40B4-BE49-F238E27FC236}">
+                <a16:creationId xmlns:a16="http://schemas.microsoft.com/office/drawing/2014/main" id="{67DCC17C-3B16-4C90-8B18-E9FE1C55839F}"/>
+              </a:ext>
+            </a:extLst>
+          </p:cNvPr>
+          <p:cNvSpPr>
+            <a:spLocks noGrp="1"/>
+          </p:cNvSpPr>
+          <p:nvPr>
+            <p:ph type="dt" sz="quarter" idx="1"/>
+          </p:nvPr>
+        </p:nvSpPr>
+        <p:spPr>
+          <a:xfrm>
+            <a:off x="3884613" y="0"/>
+            <a:ext cx="2971800" cy="458788"/>
+          </a:xfrm>
+          <a:prstGeom prst="rect">
+            <a:avLst/>
+          </a:prstGeom>
+        </p:spPr>
+        <p:txBody>
+          <a:bodyPr vert="horz" lIns="91440" tIns="45720" rIns="91440" bIns="45720" rtlCol="0"/>
+          <a:lstStyle>
+            <a:lvl1pPr algn="r">
+              <a:defRPr sz="1200"/>
+            </a:lvl1pPr>
+          </a:lstStyle>
+          <a:p>
+            <a:fld id="{6DB9B646-6129-41D1-8AB5-8E35212AF5DA}" type="datetimeFigureOut">
+              <a:rPr lang="zh-TW" altLang="en-US" smtClean="0"/>
+              <a:t>2024/8/28</a:t>
+            </a:fld>
+            <a:endParaRPr lang="zh-TW" altLang="en-US"/>
+          </a:p>
+        </p:txBody>
+      </p:sp>
+      <p:sp>
+        <p:nvSpPr>
+          <p:cNvPr id="4" name="頁尾版面配置區 3">
+            <a:extLst>
+              <a:ext uri="{FF2B5EF4-FFF2-40B4-BE49-F238E27FC236}">
+                <a16:creationId xmlns:a16="http://schemas.microsoft.com/office/drawing/2014/main" id="{6AFDAEB9-8393-45AC-AD71-301D587732A3}"/>
+              </a:ext>
+            </a:extLst>
+          </p:cNvPr>
+          <p:cNvSpPr>
+            <a:spLocks noGrp="1"/>
+          </p:cNvSpPr>
+          <p:nvPr>
+            <p:ph type="ftr" sz="quarter" idx="2"/>
+          </p:nvPr>
+        </p:nvSpPr>
+        <p:spPr>
+          <a:xfrm>
+            <a:off x="0" y="8685213"/>
+            <a:ext cx="2971800" cy="458787"/>
+          </a:xfrm>
+          <a:prstGeom prst="rect">
+            <a:avLst/>
+          </a:prstGeom>
+        </p:spPr>
+        <p:txBody>
+          <a:bodyPr vert="horz" lIns="91440" tIns="45720" rIns="91440" bIns="45720" rtlCol="0" anchor="b"/>
+          <a:lstStyle>
+            <a:lvl1pPr algn="l">
+              <a:defRPr sz="1200"/>
+            </a:lvl1pPr>
+          </a:lstStyle>
+          <a:p>
+            <a:endParaRPr lang="zh-TW" altLang="en-US"/>
+          </a:p>
+        </p:txBody>
+      </p:sp>
+      <p:sp>
+        <p:nvSpPr>
+          <p:cNvPr id="5" name="投影片編號版面配置區 4">
+            <a:extLst>
+              <a:ext uri="{FF2B5EF4-FFF2-40B4-BE49-F238E27FC236}">
+                <a16:creationId xmlns:a16="http://schemas.microsoft.com/office/drawing/2014/main" id="{E01652F6-AB79-4CFA-8C4A-4EFF3003E5D6}"/>
+              </a:ext>
+            </a:extLst>
+          </p:cNvPr>
+          <p:cNvSpPr>
+            <a:spLocks noGrp="1"/>
+          </p:cNvSpPr>
+          <p:nvPr>
+            <p:ph type="sldNum" sz="quarter" idx="3"/>
+          </p:nvPr>
+        </p:nvSpPr>
+        <p:spPr>
+          <a:xfrm>
+            <a:off x="3884613" y="8685213"/>
+            <a:ext cx="2971800" cy="458787"/>
+          </a:xfrm>
+          <a:prstGeom prst="rect">
+            <a:avLst/>
+          </a:prstGeom>
+        </p:spPr>
+        <p:txBody>
+          <a:bodyPr vert="horz" lIns="91440" tIns="45720" rIns="91440" bIns="45720" rtlCol="0" anchor="b"/>
+          <a:lstStyle>
+            <a:lvl1pPr algn="r">
+              <a:defRPr sz="1200"/>
+            </a:lvl1pPr>
+          </a:lstStyle>
+          <a:p>
+            <a:fld id="{83800E1C-E8D1-42C3-8ADE-0665324B4D71}" type="slidenum">
+              <a:rPr lang="zh-TW" altLang="en-US" smtClean="0"/>
+              <a:t>‹#›</a:t>
+            </a:fld>
+            <a:endParaRPr lang="zh-TW" altLang="en-US"/>
+          </a:p>
+        </p:txBody>
+      </p:sp>
+    </p:spTree>
+    <p:extLst>
+      <p:ext uri="{BB962C8B-B14F-4D97-AF65-F5344CB8AC3E}">
+        <p14:creationId xmlns:p14="http://schemas.microsoft.com/office/powerpoint/2010/main" val="2401642558"/>
+      </p:ext>
+    </p:extLst>
+  </p:cSld>
+  <p:clrMap bg1="lt1" tx1="dk1" bg2="lt2" tx2="dk2" accent1="accent1" accent2="accent2" accent3="accent3" accent4="accent4" accent5="accent5" accent6="accent6" hlink="hlink" folHlink="folHlink"/>
+</p:handoutMaster>
+</file>
+
+<file path=ppt/notesMasters/notesMaster1.xml><?xml version="1.0" encoding="utf-8"?>
+<p:notesMaster xmlns:a="http://schemas.openxmlformats.org/drawingml/2006/main" xmlns:r="http://schemas.openxmlformats.org/officeDocument/2006/relationships" xmlns:p="http://schemas.openxmlformats.org/presentationml/2006/main">
+  <p:cSld>
+    <p:bg>
+      <p:bgRef idx="1001">
+        <a:schemeClr val="bg1"/>
+      </p:bgRef>
+    </p:bg>
+    <p:spTree>
+      <p:nvGrpSpPr>
+        <p:cNvPr id="1" name=""/>
+        <p:cNvGrpSpPr/>
+        <p:nvPr/>
+      </p:nvGrpSpPr>
+      <p:grpSpPr>
+        <a:xfrm>
+          <a:off x="0" y="0"/>
+          <a:ext cx="0" cy="0"/>
+          <a:chOff x="0" y="0"/>
+          <a:chExt cx="0" cy="0"/>
+        </a:xfrm>
+      </p:grpSpPr>
+      <p:sp>
+        <p:nvSpPr>
+          <p:cNvPr id="2" name="頁首版面配置區 1"/>
+          <p:cNvSpPr>
+            <a:spLocks noGrp="1"/>
+          </p:cNvSpPr>
+          <p:nvPr>
+            <p:ph type="hdr" sz="quarter"/>
+          </p:nvPr>
+        </p:nvSpPr>
+        <p:spPr>
+          <a:xfrm>
+            <a:off x="0" y="0"/>
+            <a:ext cx="2971800" cy="458788"/>
+          </a:xfrm>
+          <a:prstGeom prst="rect">
+            <a:avLst/>
+          </a:prstGeom>
+        </p:spPr>
+        <p:txBody>
+          <a:bodyPr vert="horz" lIns="91440" tIns="45720" rIns="91440" bIns="45720" rtlCol="0"/>
+          <a:lstStyle>
+            <a:lvl1pPr algn="l">
+              <a:defRPr sz="1200"/>
+            </a:lvl1pPr>
+          </a:lstStyle>
+          <a:p>
+            <a:endParaRPr lang="zh-TW" altLang="en-US"/>
+          </a:p>
+        </p:txBody>
+      </p:sp>
+      <p:sp>
+        <p:nvSpPr>
+          <p:cNvPr id="3" name="日期版面配置區 2"/>
+          <p:cNvSpPr>
+            <a:spLocks noGrp="1"/>
+          </p:cNvSpPr>
+          <p:nvPr>
+            <p:ph type="dt" idx="1"/>
+          </p:nvPr>
+        </p:nvSpPr>
+        <p:spPr>
+          <a:xfrm>
+            <a:off x="3884613" y="0"/>
+            <a:ext cx="2971800" cy="458788"/>
+          </a:xfrm>
+          <a:prstGeom prst="rect">
+            <a:avLst/>
+          </a:prstGeom>
+        </p:spPr>
+        <p:txBody>
+          <a:bodyPr vert="horz" lIns="91440" tIns="45720" rIns="91440" bIns="45720" rtlCol="0"/>
+          <a:lstStyle>
+            <a:lvl1pPr algn="r">
+              <a:defRPr sz="1200"/>
+            </a:lvl1pPr>
+          </a:lstStyle>
+          <a:p>
+            <a:fld id="{52A4E84E-8F40-4D17-BD17-C3A91A072D9D}" type="datetimeFigureOut">
+              <a:rPr lang="zh-TW" altLang="en-US" smtClean="0"/>
+              <a:t>2024/8/28</a:t>
+            </a:fld>
+            <a:endParaRPr lang="zh-TW" altLang="en-US"/>
+          </a:p>
+        </p:txBody>
+      </p:sp>
+      <p:sp>
+        <p:nvSpPr>
+          <p:cNvPr id="4" name="投影片影像版面配置區 3"/>
+          <p:cNvSpPr>
+            <a:spLocks noGrp="1" noRot="1" noChangeAspect="1"/>
+          </p:cNvSpPr>
+          <p:nvPr>
+            <p:ph type="sldImg" idx="2"/>
+          </p:nvPr>
+        </p:nvSpPr>
+        <p:spPr>
+          <a:xfrm>
+            <a:off x="685800" y="1143000"/>
+            <a:ext cx="5486400" cy="3086100"/>
+          </a:xfrm>
+          <a:prstGeom prst="rect">
+            <a:avLst/>
+          </a:prstGeom>
+          <a:noFill/>
+          <a:ln w="12700">
+            <a:solidFill>
+              <a:prstClr val="black"/>
+            </a:solidFill>
+          </a:ln>
+        </p:spPr>
+        <p:txBody>
+          <a:bodyPr vert="horz" lIns="91440" tIns="45720" rIns="91440" bIns="45720" rtlCol="0" anchor="ctr"/>
+          <a:lstStyle/>
+          <a:p>
+            <a:endParaRPr lang="zh-TW" altLang="en-US"/>
+          </a:p>
+        </p:txBody>
+      </p:sp>
+      <p:sp>
+        <p:nvSpPr>
+          <p:cNvPr id="5" name="備忘稿版面配置區 4"/>
+          <p:cNvSpPr>
+            <a:spLocks noGrp="1"/>
+          </p:cNvSpPr>
+          <p:nvPr>
+            <p:ph type="body" sz="quarter" idx="3"/>
+          </p:nvPr>
+        </p:nvSpPr>
+        <p:spPr>
+          <a:xfrm>
+            <a:off x="685800" y="4400550"/>
+            <a:ext cx="5486400" cy="3600450"/>
+          </a:xfrm>
+          <a:prstGeom prst="rect">
+            <a:avLst/>
+          </a:prstGeom>
+        </p:spPr>
+        <p:txBody>
+          <a:bodyPr vert="horz" lIns="91440" tIns="45720" rIns="91440" bIns="45720" rtlCol="0"/>
+          <a:lstStyle/>
+          <a:p>
+            <a:pPr lvl="0"/>
+            <a:r>
+              <a:rPr lang="zh-TW" altLang="en-US"/>
+              <a:t>按一下以編輯母片文字樣式</a:t>
+            </a:r>
+          </a:p>
+          <a:p>
+            <a:pPr lvl="1"/>
+            <a:r>
+              <a:rPr lang="zh-TW" altLang="en-US"/>
+              <a:t>第二層</a:t>
+            </a:r>
+          </a:p>
+          <a:p>
+            <a:pPr lvl="2"/>
+            <a:r>
+              <a:rPr lang="zh-TW" altLang="en-US"/>
+              <a:t>第三層</a:t>
+            </a:r>
+          </a:p>
+          <a:p>
+            <a:pPr lvl="3"/>
+            <a:r>
+              <a:rPr lang="zh-TW" altLang="en-US"/>
+              <a:t>第四層</a:t>
+            </a:r>
+          </a:p>
+          <a:p>
+            <a:pPr lvl="4"/>
+            <a:r>
+              <a:rPr lang="zh-TW" altLang="en-US"/>
+              <a:t>第五層</a:t>
+            </a:r>
+          </a:p>
+        </p:txBody>
+      </p:sp>
+      <p:sp>
+        <p:nvSpPr>
+          <p:cNvPr id="6" name="頁尾版面配置區 5"/>
+          <p:cNvSpPr>
+            <a:spLocks noGrp="1"/>
+          </p:cNvSpPr>
+          <p:nvPr>
+            <p:ph type="ftr" sz="quarter" idx="4"/>
+          </p:nvPr>
+        </p:nvSpPr>
+        <p:spPr>
+          <a:xfrm>
+            <a:off x="0" y="8685213"/>
+            <a:ext cx="2971800" cy="458787"/>
+          </a:xfrm>
+          <a:prstGeom prst="rect">
+            <a:avLst/>
+          </a:prstGeom>
+        </p:spPr>
+        <p:txBody>
+          <a:bodyPr vert="horz" lIns="91440" tIns="45720" rIns="91440" bIns="45720" rtlCol="0" anchor="b"/>
+          <a:lstStyle>
+            <a:lvl1pPr algn="l">
+              <a:defRPr sz="1200"/>
+            </a:lvl1pPr>
+          </a:lstStyle>
+          <a:p>
+            <a:endParaRPr lang="zh-TW" altLang="en-US"/>
+          </a:p>
+        </p:txBody>
+      </p:sp>
+      <p:sp>
+        <p:nvSpPr>
+          <p:cNvPr id="7" name="投影片編號版面配置區 6"/>
+          <p:cNvSpPr>
+            <a:spLocks noGrp="1"/>
+          </p:cNvSpPr>
+          <p:nvPr>
+            <p:ph type="sldNum" sz="quarter" idx="5"/>
+          </p:nvPr>
+        </p:nvSpPr>
+        <p:spPr>
+          <a:xfrm>
+            <a:off x="3884613" y="8685213"/>
+            <a:ext cx="2971800" cy="458787"/>
+          </a:xfrm>
+          <a:prstGeom prst="rect">
+            <a:avLst/>
+          </a:prstGeom>
+        </p:spPr>
+        <p:txBody>
+          <a:bodyPr vert="horz" lIns="91440" tIns="45720" rIns="91440" bIns="45720" rtlCol="0" anchor="b"/>
+          <a:lstStyle>
+            <a:lvl1pPr algn="r">
+              <a:defRPr sz="1200"/>
+            </a:lvl1pPr>
+          </a:lstStyle>
+          <a:p>
+            <a:fld id="{F53324C0-A2E5-4D5C-BE2E-FCB51AF469D2}" type="slidenum">
+              <a:rPr lang="zh-TW" altLang="en-US" smtClean="0"/>
+              <a:t>‹#›</a:t>
+            </a:fld>
+            <a:endParaRPr lang="zh-TW" altLang="en-US"/>
+          </a:p>
+        </p:txBody>
+      </p:sp>
+    </p:spTree>
+    <p:extLst>
+      <p:ext uri="{BB962C8B-B14F-4D97-AF65-F5344CB8AC3E}">
+        <p14:creationId xmlns:p14="http://schemas.microsoft.com/office/powerpoint/2010/main" val="810241259"/>
+      </p:ext>
+    </p:extLst>
+  </p:cSld>
+  <p:clrMap bg1="lt1" tx1="dk1" bg2="lt2" tx2="dk2" accent1="accent1" accent2="accent2" accent3="accent3" accent4="accent4" accent5="accent5" accent6="accent6" hlink="hlink" folHlink="folHlink"/>
+  <p:notesStyle>
+    <a:lvl1pPr marL="0" algn="l" defTabSz="914400" rtl="0" eaLnBrk="1" latinLnBrk="0" hangingPunct="1">
+      <a:defRPr sz="1200" kern="1200">
+        <a:solidFill>
+          <a:schemeClr val="tx1"/>
+        </a:solidFill>
+        <a:latin typeface="+mn-lt"/>
+        <a:ea typeface="+mn-ea"/>
+        <a:cs typeface="+mn-cs"/>
+      </a:defRPr>
+    </a:lvl1pPr>
+    <a:lvl2pPr marL="457200" algn="l" defTabSz="914400" rtl="0" eaLnBrk="1" latinLnBrk="0" hangingPunct="1">
+      <a:defRPr sz="1200" kern="1200">
+        <a:solidFill>
+          <a:schemeClr val="tx1"/>
+        </a:solidFill>
+        <a:latin typeface="+mn-lt"/>
+        <a:ea typeface="+mn-ea"/>
+        <a:cs typeface="+mn-cs"/>
+      </a:defRPr>
+    </a:lvl2pPr>
+    <a:lvl3pPr marL="914400" algn="l" defTabSz="914400" rtl="0" eaLnBrk="1" latinLnBrk="0" hangingPunct="1">
+      <a:defRPr sz="1200" kern="1200">
+        <a:solidFill>
+          <a:schemeClr val="tx1"/>
+        </a:solidFill>
+        <a:latin typeface="+mn-lt"/>
+        <a:ea typeface="+mn-ea"/>
+        <a:cs typeface="+mn-cs"/>
+      </a:defRPr>
+    </a:lvl3pPr>
+    <a:lvl4pPr marL="1371600" algn="l" defTabSz="914400" rtl="0" eaLnBrk="1" latinLnBrk="0" hangingPunct="1">
+      <a:defRPr sz="1200" kern="1200">
+        <a:solidFill>
+          <a:schemeClr val="tx1"/>
+        </a:solidFill>
+        <a:latin typeface="+mn-lt"/>
+        <a:ea typeface="+mn-ea"/>
+        <a:cs typeface="+mn-cs"/>
+      </a:defRPr>
+    </a:lvl4pPr>
+    <a:lvl5pPr marL="1828800" algn="l" defTabSz="914400" rtl="0" eaLnBrk="1" latinLnBrk="0" hangingPunct="1">
+      <a:defRPr sz="1200" kern="1200">
+        <a:solidFill>
+          <a:schemeClr val="tx1"/>
+        </a:solidFill>
+        <a:latin typeface="+mn-lt"/>
+        <a:ea typeface="+mn-ea"/>
+        <a:cs typeface="+mn-cs"/>
+      </a:defRPr>
+    </a:lvl5pPr>
+    <a:lvl6pPr marL="2286000" algn="l" defTabSz="914400" rtl="0" eaLnBrk="1" latinLnBrk="0" hangingPunct="1">
+      <a:defRPr sz="1200" kern="1200">
+        <a:solidFill>
+          <a:schemeClr val="tx1"/>
+        </a:solidFill>
+        <a:latin typeface="+mn-lt"/>
+        <a:ea typeface="+mn-ea"/>
+        <a:cs typeface="+mn-cs"/>
+      </a:defRPr>
+    </a:lvl6pPr>
+    <a:lvl7pPr marL="2743200" algn="l" defTabSz="914400" rtl="0" eaLnBrk="1" latinLnBrk="0" hangingPunct="1">
+      <a:defRPr sz="1200" kern="1200">
+        <a:solidFill>
+          <a:schemeClr val="tx1"/>
+        </a:solidFill>
+        <a:latin typeface="+mn-lt"/>
+        <a:ea typeface="+mn-ea"/>
+        <a:cs typeface="+mn-cs"/>
+      </a:defRPr>
+    </a:lvl7pPr>
+    <a:lvl8pPr marL="3200400" algn="l" defTabSz="914400" rtl="0" eaLnBrk="1" latinLnBrk="0" hangingPunct="1">
+      <a:defRPr sz="1200" kern="1200">
+        <a:solidFill>
+          <a:schemeClr val="tx1"/>
+        </a:solidFill>
+        <a:latin typeface="+mn-lt"/>
+        <a:ea typeface="+mn-ea"/>
+        <a:cs typeface="+mn-cs"/>
+      </a:defRPr>
+    </a:lvl8pPr>
+    <a:lvl9pPr marL="3657600" algn="l" defTabSz="914400" rtl="0" eaLnBrk="1" latinLnBrk="0" hangingPunct="1">
+      <a:defRPr sz="1200" kern="1200">
+        <a:solidFill>
+          <a:schemeClr val="tx1"/>
+        </a:solidFill>
+        <a:latin typeface="+mn-lt"/>
+        <a:ea typeface="+mn-ea"/>
+        <a:cs typeface="+mn-cs"/>
+      </a:defRPr>
+    </a:lvl9pPr>
+  </p:notesStyle>
+</p:notesMaster>
 </file>
 
 <file path=ppt/slideLayouts/slideLayout1.xml><?xml version="1.0" encoding="utf-8"?>
@@ -240,7 +787,7 @@
     </p:spTree>
     <p:extLst>
       <p:ext uri="{BB962C8B-B14F-4D97-AF65-F5344CB8AC3E}">
-        <p14:creationId xmlns:p14="http://schemas.microsoft.com/office/powerpoint/2010/main" val="3966648013"/>
+        <p14:creationId xmlns:p14="http://schemas.microsoft.com/office/powerpoint/2010/main" val="4068148397"/>
       </p:ext>
     </p:extLst>
   </p:cSld>
@@ -484,7 +1031,7 @@
             </a:r>
             <a:r>
               <a:rPr lang="zh-TW" altLang="en-US"/>
-              <a:t>桃高資訊社</a:t>
+              <a:t> 桃高資訊社</a:t>
             </a:r>
           </a:p>
         </p:txBody>
@@ -621,276 +1168,10 @@
           </a:p>
         </p:txBody>
       </p:sp>
-      <p:sp>
-        <p:nvSpPr>
-          <p:cNvPr id="6" name="頁尾版面配置區 4">
-            <a:extLst>
-              <a:ext uri="{FF2B5EF4-FFF2-40B4-BE49-F238E27FC236}">
-                <a16:creationId xmlns:a16="http://schemas.microsoft.com/office/drawing/2014/main" id="{B6D0D332-58F6-44F7-8B06-11E5EF864545}"/>
-              </a:ext>
-            </a:extLst>
-          </p:cNvPr>
-          <p:cNvSpPr txBox="1">
-            <a:spLocks/>
-          </p:cNvSpPr>
-          <p:nvPr/>
-        </p:nvSpPr>
-        <p:spPr>
-          <a:xfrm>
-            <a:off x="0" y="6492875"/>
-            <a:ext cx="2743200" cy="365125"/>
-          </a:xfrm>
-          <a:prstGeom prst="rect">
-            <a:avLst/>
-          </a:prstGeom>
-        </p:spPr>
-        <p:txBody>
-          <a:bodyPr vert="horz" lIns="91440" tIns="45720" rIns="91440" bIns="45720" rtlCol="0" anchor="ctr"/>
-          <a:lstStyle>
-            <a:defPPr>
-              <a:defRPr lang="zh-TW"/>
-            </a:defPPr>
-            <a:lvl1pPr marL="0" algn="l" defTabSz="914400" rtl="0" eaLnBrk="1" latinLnBrk="0" hangingPunct="1">
-              <a:defRPr sz="1200" kern="1200">
-                <a:solidFill>
-                  <a:schemeClr val="tx1">
-                    <a:tint val="75000"/>
-                  </a:schemeClr>
-                </a:solidFill>
-                <a:latin typeface="+mn-lt"/>
-                <a:ea typeface="+mn-ea"/>
-                <a:cs typeface="+mn-cs"/>
-              </a:defRPr>
-            </a:lvl1pPr>
-            <a:lvl2pPr marL="457200" algn="l" defTabSz="914400" rtl="0" eaLnBrk="1" latinLnBrk="0" hangingPunct="1">
-              <a:defRPr sz="1800" kern="1200">
-                <a:solidFill>
-                  <a:schemeClr val="tx1"/>
-                </a:solidFill>
-                <a:latin typeface="+mn-lt"/>
-                <a:ea typeface="+mn-ea"/>
-                <a:cs typeface="+mn-cs"/>
-              </a:defRPr>
-            </a:lvl2pPr>
-            <a:lvl3pPr marL="914400" algn="l" defTabSz="914400" rtl="0" eaLnBrk="1" latinLnBrk="0" hangingPunct="1">
-              <a:defRPr sz="1800" kern="1200">
-                <a:solidFill>
-                  <a:schemeClr val="tx1"/>
-                </a:solidFill>
-                <a:latin typeface="+mn-lt"/>
-                <a:ea typeface="+mn-ea"/>
-                <a:cs typeface="+mn-cs"/>
-              </a:defRPr>
-            </a:lvl3pPr>
-            <a:lvl4pPr marL="1371600" algn="l" defTabSz="914400" rtl="0" eaLnBrk="1" latinLnBrk="0" hangingPunct="1">
-              <a:defRPr sz="1800" kern="1200">
-                <a:solidFill>
-                  <a:schemeClr val="tx1"/>
-                </a:solidFill>
-                <a:latin typeface="+mn-lt"/>
-                <a:ea typeface="+mn-ea"/>
-                <a:cs typeface="+mn-cs"/>
-              </a:defRPr>
-            </a:lvl4pPr>
-            <a:lvl5pPr marL="1828800" algn="l" defTabSz="914400" rtl="0" eaLnBrk="1" latinLnBrk="0" hangingPunct="1">
-              <a:defRPr sz="1800" kern="1200">
-                <a:solidFill>
-                  <a:schemeClr val="tx1"/>
-                </a:solidFill>
-                <a:latin typeface="+mn-lt"/>
-                <a:ea typeface="+mn-ea"/>
-                <a:cs typeface="+mn-cs"/>
-              </a:defRPr>
-            </a:lvl5pPr>
-            <a:lvl6pPr marL="2286000" algn="l" defTabSz="914400" rtl="0" eaLnBrk="1" latinLnBrk="0" hangingPunct="1">
-              <a:defRPr sz="1800" kern="1200">
-                <a:solidFill>
-                  <a:schemeClr val="tx1"/>
-                </a:solidFill>
-                <a:latin typeface="+mn-lt"/>
-                <a:ea typeface="+mn-ea"/>
-                <a:cs typeface="+mn-cs"/>
-              </a:defRPr>
-            </a:lvl6pPr>
-            <a:lvl7pPr marL="2743200" algn="l" defTabSz="914400" rtl="0" eaLnBrk="1" latinLnBrk="0" hangingPunct="1">
-              <a:defRPr sz="1800" kern="1200">
-                <a:solidFill>
-                  <a:schemeClr val="tx1"/>
-                </a:solidFill>
-                <a:latin typeface="+mn-lt"/>
-                <a:ea typeface="+mn-ea"/>
-                <a:cs typeface="+mn-cs"/>
-              </a:defRPr>
-            </a:lvl7pPr>
-            <a:lvl8pPr marL="3200400" algn="l" defTabSz="914400" rtl="0" eaLnBrk="1" latinLnBrk="0" hangingPunct="1">
-              <a:defRPr sz="1800" kern="1200">
-                <a:solidFill>
-                  <a:schemeClr val="tx1"/>
-                </a:solidFill>
-                <a:latin typeface="+mn-lt"/>
-                <a:ea typeface="+mn-ea"/>
-                <a:cs typeface="+mn-cs"/>
-              </a:defRPr>
-            </a:lvl8pPr>
-            <a:lvl9pPr marL="3657600" algn="l" defTabSz="914400" rtl="0" eaLnBrk="1" latinLnBrk="0" hangingPunct="1">
-              <a:defRPr sz="1800" kern="1200">
-                <a:solidFill>
-                  <a:schemeClr val="tx1"/>
-                </a:solidFill>
-                <a:latin typeface="+mn-lt"/>
-                <a:ea typeface="+mn-ea"/>
-                <a:cs typeface="+mn-cs"/>
-              </a:defRPr>
-            </a:lvl9pPr>
-          </a:lstStyle>
-          <a:p>
-            <a:r>
-              <a:rPr lang="en-US" altLang="zh-TW" dirty="0"/>
-              <a:t>TYIC</a:t>
-            </a:r>
-            <a:r>
-              <a:rPr lang="zh-TW" altLang="en-US"/>
-              <a:t>桃高資訊社</a:t>
-            </a:r>
-          </a:p>
-        </p:txBody>
-      </p:sp>
-      <p:sp>
-        <p:nvSpPr>
-          <p:cNvPr id="9" name="投影片編號版面配置區 5">
-            <a:extLst>
-              <a:ext uri="{FF2B5EF4-FFF2-40B4-BE49-F238E27FC236}">
-                <a16:creationId xmlns:a16="http://schemas.microsoft.com/office/drawing/2014/main" id="{7C1B046E-D8B9-4FA8-A126-F87F0D813BB6}"/>
-              </a:ext>
-            </a:extLst>
-          </p:cNvPr>
-          <p:cNvSpPr txBox="1">
-            <a:spLocks/>
-          </p:cNvSpPr>
-          <p:nvPr/>
-        </p:nvSpPr>
-        <p:spPr>
-          <a:xfrm>
-            <a:off x="9448800" y="6492874"/>
-            <a:ext cx="2743200" cy="365125"/>
-          </a:xfrm>
-          <a:prstGeom prst="rect">
-            <a:avLst/>
-          </a:prstGeom>
-        </p:spPr>
-        <p:txBody>
-          <a:bodyPr vert="horz" lIns="91440" tIns="45720" rIns="91440" bIns="45720" rtlCol="0" anchor="ctr"/>
-          <a:lstStyle>
-            <a:defPPr>
-              <a:defRPr lang="zh-TW"/>
-            </a:defPPr>
-            <a:lvl1pPr marL="0" algn="r" defTabSz="914400" rtl="0" eaLnBrk="1" latinLnBrk="0" hangingPunct="1">
-              <a:defRPr sz="1200" kern="1200">
-                <a:solidFill>
-                  <a:schemeClr val="tx1">
-                    <a:tint val="75000"/>
-                  </a:schemeClr>
-                </a:solidFill>
-                <a:latin typeface="+mn-lt"/>
-                <a:ea typeface="+mn-ea"/>
-                <a:cs typeface="+mn-cs"/>
-              </a:defRPr>
-            </a:lvl1pPr>
-            <a:lvl2pPr marL="457200" algn="l" defTabSz="914400" rtl="0" eaLnBrk="1" latinLnBrk="0" hangingPunct="1">
-              <a:defRPr sz="1800" kern="1200">
-                <a:solidFill>
-                  <a:schemeClr val="tx1"/>
-                </a:solidFill>
-                <a:latin typeface="+mn-lt"/>
-                <a:ea typeface="+mn-ea"/>
-                <a:cs typeface="+mn-cs"/>
-              </a:defRPr>
-            </a:lvl2pPr>
-            <a:lvl3pPr marL="914400" algn="l" defTabSz="914400" rtl="0" eaLnBrk="1" latinLnBrk="0" hangingPunct="1">
-              <a:defRPr sz="1800" kern="1200">
-                <a:solidFill>
-                  <a:schemeClr val="tx1"/>
-                </a:solidFill>
-                <a:latin typeface="+mn-lt"/>
-                <a:ea typeface="+mn-ea"/>
-                <a:cs typeface="+mn-cs"/>
-              </a:defRPr>
-            </a:lvl3pPr>
-            <a:lvl4pPr marL="1371600" algn="l" defTabSz="914400" rtl="0" eaLnBrk="1" latinLnBrk="0" hangingPunct="1">
-              <a:defRPr sz="1800" kern="1200">
-                <a:solidFill>
-                  <a:schemeClr val="tx1"/>
-                </a:solidFill>
-                <a:latin typeface="+mn-lt"/>
-                <a:ea typeface="+mn-ea"/>
-                <a:cs typeface="+mn-cs"/>
-              </a:defRPr>
-            </a:lvl4pPr>
-            <a:lvl5pPr marL="1828800" algn="l" defTabSz="914400" rtl="0" eaLnBrk="1" latinLnBrk="0" hangingPunct="1">
-              <a:defRPr sz="1800" kern="1200">
-                <a:solidFill>
-                  <a:schemeClr val="tx1"/>
-                </a:solidFill>
-                <a:latin typeface="+mn-lt"/>
-                <a:ea typeface="+mn-ea"/>
-                <a:cs typeface="+mn-cs"/>
-              </a:defRPr>
-            </a:lvl5pPr>
-            <a:lvl6pPr marL="2286000" algn="l" defTabSz="914400" rtl="0" eaLnBrk="1" latinLnBrk="0" hangingPunct="1">
-              <a:defRPr sz="1800" kern="1200">
-                <a:solidFill>
-                  <a:schemeClr val="tx1"/>
-                </a:solidFill>
-                <a:latin typeface="+mn-lt"/>
-                <a:ea typeface="+mn-ea"/>
-                <a:cs typeface="+mn-cs"/>
-              </a:defRPr>
-            </a:lvl6pPr>
-            <a:lvl7pPr marL="2743200" algn="l" defTabSz="914400" rtl="0" eaLnBrk="1" latinLnBrk="0" hangingPunct="1">
-              <a:defRPr sz="1800" kern="1200">
-                <a:solidFill>
-                  <a:schemeClr val="tx1"/>
-                </a:solidFill>
-                <a:latin typeface="+mn-lt"/>
-                <a:ea typeface="+mn-ea"/>
-                <a:cs typeface="+mn-cs"/>
-              </a:defRPr>
-            </a:lvl7pPr>
-            <a:lvl8pPr marL="3200400" algn="l" defTabSz="914400" rtl="0" eaLnBrk="1" latinLnBrk="0" hangingPunct="1">
-              <a:defRPr sz="1800" kern="1200">
-                <a:solidFill>
-                  <a:schemeClr val="tx1"/>
-                </a:solidFill>
-                <a:latin typeface="+mn-lt"/>
-                <a:ea typeface="+mn-ea"/>
-                <a:cs typeface="+mn-cs"/>
-              </a:defRPr>
-            </a:lvl8pPr>
-            <a:lvl9pPr marL="3657600" algn="l" defTabSz="914400" rtl="0" eaLnBrk="1" latinLnBrk="0" hangingPunct="1">
-              <a:defRPr sz="1800" kern="1200">
-                <a:solidFill>
-                  <a:schemeClr val="tx1"/>
-                </a:solidFill>
-                <a:latin typeface="+mn-lt"/>
-                <a:ea typeface="+mn-ea"/>
-                <a:cs typeface="+mn-cs"/>
-              </a:defRPr>
-            </a:lvl9pPr>
-          </a:lstStyle>
-          <a:p>
-            <a:fld id="{D4328D90-2A6F-4F23-88A8-C5DCC2B5F307}" type="slidenum">
-              <a:rPr lang="zh-TW" altLang="en-US" smtClean="0"/>
-              <a:pPr/>
-              <a:t>‹#›</a:t>
-            </a:fld>
-            <a:endParaRPr lang="zh-TW" altLang="en-US"/>
-          </a:p>
-        </p:txBody>
-      </p:sp>
     </p:spTree>
     <p:extLst>
       <p:ext uri="{BB962C8B-B14F-4D97-AF65-F5344CB8AC3E}">
-        <p14:creationId xmlns:p14="http://schemas.microsoft.com/office/powerpoint/2010/main" val="740296018"/>
+        <p14:creationId xmlns:p14="http://schemas.microsoft.com/office/powerpoint/2010/main" val="321056367"/>
       </p:ext>
     </p:extLst>
   </p:cSld>
@@ -1144,7 +1425,7 @@
             </a:r>
             <a:r>
               <a:rPr lang="zh-TW" altLang="en-US"/>
-              <a:t>桃高資訊社</a:t>
+              <a:t> 桃高資訊社</a:t>
             </a:r>
           </a:p>
         </p:txBody>
@@ -1281,276 +1562,10 @@
           </a:p>
         </p:txBody>
       </p:sp>
-      <p:sp>
-        <p:nvSpPr>
-          <p:cNvPr id="6" name="頁尾版面配置區 4">
-            <a:extLst>
-              <a:ext uri="{FF2B5EF4-FFF2-40B4-BE49-F238E27FC236}">
-                <a16:creationId xmlns:a16="http://schemas.microsoft.com/office/drawing/2014/main" id="{34401409-FF0A-4514-8915-53F19DD13094}"/>
-              </a:ext>
-            </a:extLst>
-          </p:cNvPr>
-          <p:cNvSpPr txBox="1">
-            <a:spLocks/>
-          </p:cNvSpPr>
-          <p:nvPr/>
-        </p:nvSpPr>
-        <p:spPr>
-          <a:xfrm>
-            <a:off x="0" y="6492875"/>
-            <a:ext cx="2743200" cy="365125"/>
-          </a:xfrm>
-          <a:prstGeom prst="rect">
-            <a:avLst/>
-          </a:prstGeom>
-        </p:spPr>
-        <p:txBody>
-          <a:bodyPr vert="horz" lIns="91440" tIns="45720" rIns="91440" bIns="45720" rtlCol="0" anchor="ctr"/>
-          <a:lstStyle>
-            <a:defPPr>
-              <a:defRPr lang="zh-TW"/>
-            </a:defPPr>
-            <a:lvl1pPr marL="0" algn="l" defTabSz="914400" rtl="0" eaLnBrk="1" latinLnBrk="0" hangingPunct="1">
-              <a:defRPr sz="1200" kern="1200">
-                <a:solidFill>
-                  <a:schemeClr val="tx1">
-                    <a:tint val="75000"/>
-                  </a:schemeClr>
-                </a:solidFill>
-                <a:latin typeface="+mn-lt"/>
-                <a:ea typeface="+mn-ea"/>
-                <a:cs typeface="+mn-cs"/>
-              </a:defRPr>
-            </a:lvl1pPr>
-            <a:lvl2pPr marL="457200" algn="l" defTabSz="914400" rtl="0" eaLnBrk="1" latinLnBrk="0" hangingPunct="1">
-              <a:defRPr sz="1800" kern="1200">
-                <a:solidFill>
-                  <a:schemeClr val="tx1"/>
-                </a:solidFill>
-                <a:latin typeface="+mn-lt"/>
-                <a:ea typeface="+mn-ea"/>
-                <a:cs typeface="+mn-cs"/>
-              </a:defRPr>
-            </a:lvl2pPr>
-            <a:lvl3pPr marL="914400" algn="l" defTabSz="914400" rtl="0" eaLnBrk="1" latinLnBrk="0" hangingPunct="1">
-              <a:defRPr sz="1800" kern="1200">
-                <a:solidFill>
-                  <a:schemeClr val="tx1"/>
-                </a:solidFill>
-                <a:latin typeface="+mn-lt"/>
-                <a:ea typeface="+mn-ea"/>
-                <a:cs typeface="+mn-cs"/>
-              </a:defRPr>
-            </a:lvl3pPr>
-            <a:lvl4pPr marL="1371600" algn="l" defTabSz="914400" rtl="0" eaLnBrk="1" latinLnBrk="0" hangingPunct="1">
-              <a:defRPr sz="1800" kern="1200">
-                <a:solidFill>
-                  <a:schemeClr val="tx1"/>
-                </a:solidFill>
-                <a:latin typeface="+mn-lt"/>
-                <a:ea typeface="+mn-ea"/>
-                <a:cs typeface="+mn-cs"/>
-              </a:defRPr>
-            </a:lvl4pPr>
-            <a:lvl5pPr marL="1828800" algn="l" defTabSz="914400" rtl="0" eaLnBrk="1" latinLnBrk="0" hangingPunct="1">
-              <a:defRPr sz="1800" kern="1200">
-                <a:solidFill>
-                  <a:schemeClr val="tx1"/>
-                </a:solidFill>
-                <a:latin typeface="+mn-lt"/>
-                <a:ea typeface="+mn-ea"/>
-                <a:cs typeface="+mn-cs"/>
-              </a:defRPr>
-            </a:lvl5pPr>
-            <a:lvl6pPr marL="2286000" algn="l" defTabSz="914400" rtl="0" eaLnBrk="1" latinLnBrk="0" hangingPunct="1">
-              <a:defRPr sz="1800" kern="1200">
-                <a:solidFill>
-                  <a:schemeClr val="tx1"/>
-                </a:solidFill>
-                <a:latin typeface="+mn-lt"/>
-                <a:ea typeface="+mn-ea"/>
-                <a:cs typeface="+mn-cs"/>
-              </a:defRPr>
-            </a:lvl6pPr>
-            <a:lvl7pPr marL="2743200" algn="l" defTabSz="914400" rtl="0" eaLnBrk="1" latinLnBrk="0" hangingPunct="1">
-              <a:defRPr sz="1800" kern="1200">
-                <a:solidFill>
-                  <a:schemeClr val="tx1"/>
-                </a:solidFill>
-                <a:latin typeface="+mn-lt"/>
-                <a:ea typeface="+mn-ea"/>
-                <a:cs typeface="+mn-cs"/>
-              </a:defRPr>
-            </a:lvl7pPr>
-            <a:lvl8pPr marL="3200400" algn="l" defTabSz="914400" rtl="0" eaLnBrk="1" latinLnBrk="0" hangingPunct="1">
-              <a:defRPr sz="1800" kern="1200">
-                <a:solidFill>
-                  <a:schemeClr val="tx1"/>
-                </a:solidFill>
-                <a:latin typeface="+mn-lt"/>
-                <a:ea typeface="+mn-ea"/>
-                <a:cs typeface="+mn-cs"/>
-              </a:defRPr>
-            </a:lvl8pPr>
-            <a:lvl9pPr marL="3657600" algn="l" defTabSz="914400" rtl="0" eaLnBrk="1" latinLnBrk="0" hangingPunct="1">
-              <a:defRPr sz="1800" kern="1200">
-                <a:solidFill>
-                  <a:schemeClr val="tx1"/>
-                </a:solidFill>
-                <a:latin typeface="+mn-lt"/>
-                <a:ea typeface="+mn-ea"/>
-                <a:cs typeface="+mn-cs"/>
-              </a:defRPr>
-            </a:lvl9pPr>
-          </a:lstStyle>
-          <a:p>
-            <a:r>
-              <a:rPr lang="en-US" altLang="zh-TW" dirty="0"/>
-              <a:t>TYIC</a:t>
-            </a:r>
-            <a:r>
-              <a:rPr lang="zh-TW" altLang="en-US"/>
-              <a:t>桃高資訊社</a:t>
-            </a:r>
-          </a:p>
-        </p:txBody>
-      </p:sp>
-      <p:sp>
-        <p:nvSpPr>
-          <p:cNvPr id="9" name="投影片編號版面配置區 5">
-            <a:extLst>
-              <a:ext uri="{FF2B5EF4-FFF2-40B4-BE49-F238E27FC236}">
-                <a16:creationId xmlns:a16="http://schemas.microsoft.com/office/drawing/2014/main" id="{FB25D919-C7D1-4A41-8D37-72F630F4A97B}"/>
-              </a:ext>
-            </a:extLst>
-          </p:cNvPr>
-          <p:cNvSpPr txBox="1">
-            <a:spLocks/>
-          </p:cNvSpPr>
-          <p:nvPr/>
-        </p:nvSpPr>
-        <p:spPr>
-          <a:xfrm>
-            <a:off x="9448800" y="6492874"/>
-            <a:ext cx="2743200" cy="365125"/>
-          </a:xfrm>
-          <a:prstGeom prst="rect">
-            <a:avLst/>
-          </a:prstGeom>
-        </p:spPr>
-        <p:txBody>
-          <a:bodyPr vert="horz" lIns="91440" tIns="45720" rIns="91440" bIns="45720" rtlCol="0" anchor="ctr"/>
-          <a:lstStyle>
-            <a:defPPr>
-              <a:defRPr lang="zh-TW"/>
-            </a:defPPr>
-            <a:lvl1pPr marL="0" algn="r" defTabSz="914400" rtl="0" eaLnBrk="1" latinLnBrk="0" hangingPunct="1">
-              <a:defRPr sz="1200" kern="1200">
-                <a:solidFill>
-                  <a:schemeClr val="tx1">
-                    <a:tint val="75000"/>
-                  </a:schemeClr>
-                </a:solidFill>
-                <a:latin typeface="+mn-lt"/>
-                <a:ea typeface="+mn-ea"/>
-                <a:cs typeface="+mn-cs"/>
-              </a:defRPr>
-            </a:lvl1pPr>
-            <a:lvl2pPr marL="457200" algn="l" defTabSz="914400" rtl="0" eaLnBrk="1" latinLnBrk="0" hangingPunct="1">
-              <a:defRPr sz="1800" kern="1200">
-                <a:solidFill>
-                  <a:schemeClr val="tx1"/>
-                </a:solidFill>
-                <a:latin typeface="+mn-lt"/>
-                <a:ea typeface="+mn-ea"/>
-                <a:cs typeface="+mn-cs"/>
-              </a:defRPr>
-            </a:lvl2pPr>
-            <a:lvl3pPr marL="914400" algn="l" defTabSz="914400" rtl="0" eaLnBrk="1" latinLnBrk="0" hangingPunct="1">
-              <a:defRPr sz="1800" kern="1200">
-                <a:solidFill>
-                  <a:schemeClr val="tx1"/>
-                </a:solidFill>
-                <a:latin typeface="+mn-lt"/>
-                <a:ea typeface="+mn-ea"/>
-                <a:cs typeface="+mn-cs"/>
-              </a:defRPr>
-            </a:lvl3pPr>
-            <a:lvl4pPr marL="1371600" algn="l" defTabSz="914400" rtl="0" eaLnBrk="1" latinLnBrk="0" hangingPunct="1">
-              <a:defRPr sz="1800" kern="1200">
-                <a:solidFill>
-                  <a:schemeClr val="tx1"/>
-                </a:solidFill>
-                <a:latin typeface="+mn-lt"/>
-                <a:ea typeface="+mn-ea"/>
-                <a:cs typeface="+mn-cs"/>
-              </a:defRPr>
-            </a:lvl4pPr>
-            <a:lvl5pPr marL="1828800" algn="l" defTabSz="914400" rtl="0" eaLnBrk="1" latinLnBrk="0" hangingPunct="1">
-              <a:defRPr sz="1800" kern="1200">
-                <a:solidFill>
-                  <a:schemeClr val="tx1"/>
-                </a:solidFill>
-                <a:latin typeface="+mn-lt"/>
-                <a:ea typeface="+mn-ea"/>
-                <a:cs typeface="+mn-cs"/>
-              </a:defRPr>
-            </a:lvl5pPr>
-            <a:lvl6pPr marL="2286000" algn="l" defTabSz="914400" rtl="0" eaLnBrk="1" latinLnBrk="0" hangingPunct="1">
-              <a:defRPr sz="1800" kern="1200">
-                <a:solidFill>
-                  <a:schemeClr val="tx1"/>
-                </a:solidFill>
-                <a:latin typeface="+mn-lt"/>
-                <a:ea typeface="+mn-ea"/>
-                <a:cs typeface="+mn-cs"/>
-              </a:defRPr>
-            </a:lvl6pPr>
-            <a:lvl7pPr marL="2743200" algn="l" defTabSz="914400" rtl="0" eaLnBrk="1" latinLnBrk="0" hangingPunct="1">
-              <a:defRPr sz="1800" kern="1200">
-                <a:solidFill>
-                  <a:schemeClr val="tx1"/>
-                </a:solidFill>
-                <a:latin typeface="+mn-lt"/>
-                <a:ea typeface="+mn-ea"/>
-                <a:cs typeface="+mn-cs"/>
-              </a:defRPr>
-            </a:lvl7pPr>
-            <a:lvl8pPr marL="3200400" algn="l" defTabSz="914400" rtl="0" eaLnBrk="1" latinLnBrk="0" hangingPunct="1">
-              <a:defRPr sz="1800" kern="1200">
-                <a:solidFill>
-                  <a:schemeClr val="tx1"/>
-                </a:solidFill>
-                <a:latin typeface="+mn-lt"/>
-                <a:ea typeface="+mn-ea"/>
-                <a:cs typeface="+mn-cs"/>
-              </a:defRPr>
-            </a:lvl8pPr>
-            <a:lvl9pPr marL="3657600" algn="l" defTabSz="914400" rtl="0" eaLnBrk="1" latinLnBrk="0" hangingPunct="1">
-              <a:defRPr sz="1800" kern="1200">
-                <a:solidFill>
-                  <a:schemeClr val="tx1"/>
-                </a:solidFill>
-                <a:latin typeface="+mn-lt"/>
-                <a:ea typeface="+mn-ea"/>
-                <a:cs typeface="+mn-cs"/>
-              </a:defRPr>
-            </a:lvl9pPr>
-          </a:lstStyle>
-          <a:p>
-            <a:fld id="{D4328D90-2A6F-4F23-88A8-C5DCC2B5F307}" type="slidenum">
-              <a:rPr lang="zh-TW" altLang="en-US" smtClean="0"/>
-              <a:pPr/>
-              <a:t>‹#›</a:t>
-            </a:fld>
-            <a:endParaRPr lang="zh-TW" altLang="en-US"/>
-          </a:p>
-        </p:txBody>
-      </p:sp>
     </p:spTree>
     <p:extLst>
       <p:ext uri="{BB962C8B-B14F-4D97-AF65-F5344CB8AC3E}">
-        <p14:creationId xmlns:p14="http://schemas.microsoft.com/office/powerpoint/2010/main" val="1196733617"/>
+        <p14:creationId xmlns:p14="http://schemas.microsoft.com/office/powerpoint/2010/main" val="1273705572"/>
       </p:ext>
     </p:extLst>
   </p:cSld>
@@ -1690,7 +1705,7 @@
     </p:spTree>
     <p:extLst>
       <p:ext uri="{BB962C8B-B14F-4D97-AF65-F5344CB8AC3E}">
-        <p14:creationId xmlns:p14="http://schemas.microsoft.com/office/powerpoint/2010/main" val="2069364920"/>
+        <p14:creationId xmlns:p14="http://schemas.microsoft.com/office/powerpoint/2010/main" val="1332462375"/>
       </p:ext>
     </p:extLst>
   </p:cSld>
@@ -1934,7 +1949,7 @@
             </a:r>
             <a:r>
               <a:rPr lang="zh-TW" altLang="en-US"/>
-              <a:t>桃高資訊社</a:t>
+              <a:t> 桃高資訊社</a:t>
             </a:r>
           </a:p>
         </p:txBody>
@@ -2073,151 +2088,17 @@
       </p:sp>
       <p:sp>
         <p:nvSpPr>
-          <p:cNvPr id="6" name="頁尾版面配置區 4">
+          <p:cNvPr id="6" name="投影片編號版面配置區 5">
             <a:extLst>
               <a:ext uri="{FF2B5EF4-FFF2-40B4-BE49-F238E27FC236}">
-                <a16:creationId xmlns:a16="http://schemas.microsoft.com/office/drawing/2014/main" id="{4EFEB44B-B18F-472F-97B4-61D1CE94D3C7}"/>
+                <a16:creationId xmlns:a16="http://schemas.microsoft.com/office/drawing/2014/main" id="{C6659C51-4740-4692-A4F8-5FF5B07727C4}"/>
               </a:ext>
             </a:extLst>
           </p:cNvPr>
           <p:cNvSpPr txBox="1">
             <a:spLocks/>
           </p:cNvSpPr>
-          <p:nvPr/>
-        </p:nvSpPr>
-        <p:spPr>
-          <a:xfrm>
-            <a:off x="0" y="6492875"/>
-            <a:ext cx="2743200" cy="365125"/>
-          </a:xfrm>
-          <a:prstGeom prst="rect">
-            <a:avLst/>
-          </a:prstGeom>
-        </p:spPr>
-        <p:txBody>
-          <a:bodyPr vert="horz" lIns="91440" tIns="45720" rIns="91440" bIns="45720" rtlCol="0" anchor="ctr"/>
-          <a:lstStyle>
-            <a:defPPr>
-              <a:defRPr lang="zh-TW"/>
-            </a:defPPr>
-            <a:lvl1pPr marL="0" algn="l" defTabSz="914400" rtl="0" eaLnBrk="1" latinLnBrk="0" hangingPunct="1">
-              <a:defRPr sz="1200" kern="1200">
-                <a:solidFill>
-                  <a:schemeClr val="tx1">
-                    <a:tint val="75000"/>
-                  </a:schemeClr>
-                </a:solidFill>
-                <a:latin typeface="+mn-lt"/>
-                <a:ea typeface="+mn-ea"/>
-                <a:cs typeface="+mn-cs"/>
-              </a:defRPr>
-            </a:lvl1pPr>
-            <a:lvl2pPr marL="457200" algn="l" defTabSz="914400" rtl="0" eaLnBrk="1" latinLnBrk="0" hangingPunct="1">
-              <a:defRPr sz="1800" kern="1200">
-                <a:solidFill>
-                  <a:schemeClr val="tx1"/>
-                </a:solidFill>
-                <a:latin typeface="+mn-lt"/>
-                <a:ea typeface="+mn-ea"/>
-                <a:cs typeface="+mn-cs"/>
-              </a:defRPr>
-            </a:lvl2pPr>
-            <a:lvl3pPr marL="914400" algn="l" defTabSz="914400" rtl="0" eaLnBrk="1" latinLnBrk="0" hangingPunct="1">
-              <a:defRPr sz="1800" kern="1200">
-                <a:solidFill>
-                  <a:schemeClr val="tx1"/>
-                </a:solidFill>
-                <a:latin typeface="+mn-lt"/>
-                <a:ea typeface="+mn-ea"/>
-                <a:cs typeface="+mn-cs"/>
-              </a:defRPr>
-            </a:lvl3pPr>
-            <a:lvl4pPr marL="1371600" algn="l" defTabSz="914400" rtl="0" eaLnBrk="1" latinLnBrk="0" hangingPunct="1">
-              <a:defRPr sz="1800" kern="1200">
-                <a:solidFill>
-                  <a:schemeClr val="tx1"/>
-                </a:solidFill>
-                <a:latin typeface="+mn-lt"/>
-                <a:ea typeface="+mn-ea"/>
-                <a:cs typeface="+mn-cs"/>
-              </a:defRPr>
-            </a:lvl4pPr>
-            <a:lvl5pPr marL="1828800" algn="l" defTabSz="914400" rtl="0" eaLnBrk="1" latinLnBrk="0" hangingPunct="1">
-              <a:defRPr sz="1800" kern="1200">
-                <a:solidFill>
-                  <a:schemeClr val="tx1"/>
-                </a:solidFill>
-                <a:latin typeface="+mn-lt"/>
-                <a:ea typeface="+mn-ea"/>
-                <a:cs typeface="+mn-cs"/>
-              </a:defRPr>
-            </a:lvl5pPr>
-            <a:lvl6pPr marL="2286000" algn="l" defTabSz="914400" rtl="0" eaLnBrk="1" latinLnBrk="0" hangingPunct="1">
-              <a:defRPr sz="1800" kern="1200">
-                <a:solidFill>
-                  <a:schemeClr val="tx1"/>
-                </a:solidFill>
-                <a:latin typeface="+mn-lt"/>
-                <a:ea typeface="+mn-ea"/>
-                <a:cs typeface="+mn-cs"/>
-              </a:defRPr>
-            </a:lvl6pPr>
-            <a:lvl7pPr marL="2743200" algn="l" defTabSz="914400" rtl="0" eaLnBrk="1" latinLnBrk="0" hangingPunct="1">
-              <a:defRPr sz="1800" kern="1200">
-                <a:solidFill>
-                  <a:schemeClr val="tx1"/>
-                </a:solidFill>
-                <a:latin typeface="+mn-lt"/>
-                <a:ea typeface="+mn-ea"/>
-                <a:cs typeface="+mn-cs"/>
-              </a:defRPr>
-            </a:lvl7pPr>
-            <a:lvl8pPr marL="3200400" algn="l" defTabSz="914400" rtl="0" eaLnBrk="1" latinLnBrk="0" hangingPunct="1">
-              <a:defRPr sz="1800" kern="1200">
-                <a:solidFill>
-                  <a:schemeClr val="tx1"/>
-                </a:solidFill>
-                <a:latin typeface="+mn-lt"/>
-                <a:ea typeface="+mn-ea"/>
-                <a:cs typeface="+mn-cs"/>
-              </a:defRPr>
-            </a:lvl8pPr>
-            <a:lvl9pPr marL="3657600" algn="l" defTabSz="914400" rtl="0" eaLnBrk="1" latinLnBrk="0" hangingPunct="1">
-              <a:defRPr sz="1800" kern="1200">
-                <a:solidFill>
-                  <a:schemeClr val="tx1"/>
-                </a:solidFill>
-                <a:latin typeface="+mn-lt"/>
-                <a:ea typeface="+mn-ea"/>
-                <a:cs typeface="+mn-cs"/>
-              </a:defRPr>
-            </a:lvl9pPr>
-          </a:lstStyle>
-          <a:p>
-            <a:r>
-              <a:rPr lang="en-US" altLang="zh-TW" dirty="0"/>
-              <a:t>TYIC</a:t>
-            </a:r>
-            <a:r>
-              <a:rPr lang="zh-TW" altLang="en-US"/>
-              <a:t>桃高資訊社</a:t>
-            </a:r>
-          </a:p>
-        </p:txBody>
-      </p:sp>
-      <p:sp>
-        <p:nvSpPr>
-          <p:cNvPr id="9" name="投影片編號版面配置區 5">
-            <a:extLst>
-              <a:ext uri="{FF2B5EF4-FFF2-40B4-BE49-F238E27FC236}">
-                <a16:creationId xmlns:a16="http://schemas.microsoft.com/office/drawing/2014/main" id="{402E92B5-4BB1-4E6F-A32C-6E1A69B65B9E}"/>
-              </a:ext>
-            </a:extLst>
-          </p:cNvPr>
-          <p:cNvSpPr txBox="1">
-            <a:spLocks/>
-          </p:cNvSpPr>
-          <p:nvPr/>
+          <p:nvPr userDrawn="1"/>
         </p:nvSpPr>
         <p:spPr>
           <a:xfrm>
@@ -2340,7 +2221,7 @@
     </p:spTree>
     <p:extLst>
       <p:ext uri="{BB962C8B-B14F-4D97-AF65-F5344CB8AC3E}">
-        <p14:creationId xmlns:p14="http://schemas.microsoft.com/office/powerpoint/2010/main" val="266927451"/>
+        <p14:creationId xmlns:p14="http://schemas.microsoft.com/office/powerpoint/2010/main" val="2510729139"/>
       </p:ext>
     </p:extLst>
   </p:cSld>
@@ -2661,7 +2542,7 @@
             </a:r>
             <a:r>
               <a:rPr lang="zh-TW" altLang="en-US"/>
-              <a:t>桃高資訊社</a:t>
+              <a:t> 桃高資訊社</a:t>
             </a:r>
           </a:p>
         </p:txBody>
@@ -2800,151 +2681,17 @@
       </p:sp>
       <p:sp>
         <p:nvSpPr>
-          <p:cNvPr id="6" name="頁尾版面配置區 4">
+          <p:cNvPr id="9" name="投影片編號版面配置區 5">
             <a:extLst>
               <a:ext uri="{FF2B5EF4-FFF2-40B4-BE49-F238E27FC236}">
-                <a16:creationId xmlns:a16="http://schemas.microsoft.com/office/drawing/2014/main" id="{C4CC887B-C0A8-4A82-9A58-FE8B0FAD3FD6}"/>
+                <a16:creationId xmlns:a16="http://schemas.microsoft.com/office/drawing/2014/main" id="{3D281757-71D3-4B2A-8C8D-2F1371433A43}"/>
               </a:ext>
             </a:extLst>
           </p:cNvPr>
           <p:cNvSpPr txBox="1">
             <a:spLocks/>
           </p:cNvSpPr>
-          <p:nvPr/>
-        </p:nvSpPr>
-        <p:spPr>
-          <a:xfrm>
-            <a:off x="0" y="6492875"/>
-            <a:ext cx="2743200" cy="365125"/>
-          </a:xfrm>
-          <a:prstGeom prst="rect">
-            <a:avLst/>
-          </a:prstGeom>
-        </p:spPr>
-        <p:txBody>
-          <a:bodyPr vert="horz" lIns="91440" tIns="45720" rIns="91440" bIns="45720" rtlCol="0" anchor="ctr"/>
-          <a:lstStyle>
-            <a:defPPr>
-              <a:defRPr lang="zh-TW"/>
-            </a:defPPr>
-            <a:lvl1pPr marL="0" algn="l" defTabSz="914400" rtl="0" eaLnBrk="1" latinLnBrk="0" hangingPunct="1">
-              <a:defRPr sz="1200" kern="1200">
-                <a:solidFill>
-                  <a:schemeClr val="tx1">
-                    <a:tint val="75000"/>
-                  </a:schemeClr>
-                </a:solidFill>
-                <a:latin typeface="+mn-lt"/>
-                <a:ea typeface="+mn-ea"/>
-                <a:cs typeface="+mn-cs"/>
-              </a:defRPr>
-            </a:lvl1pPr>
-            <a:lvl2pPr marL="457200" algn="l" defTabSz="914400" rtl="0" eaLnBrk="1" latinLnBrk="0" hangingPunct="1">
-              <a:defRPr sz="1800" kern="1200">
-                <a:solidFill>
-                  <a:schemeClr val="tx1"/>
-                </a:solidFill>
-                <a:latin typeface="+mn-lt"/>
-                <a:ea typeface="+mn-ea"/>
-                <a:cs typeface="+mn-cs"/>
-              </a:defRPr>
-            </a:lvl2pPr>
-            <a:lvl3pPr marL="914400" algn="l" defTabSz="914400" rtl="0" eaLnBrk="1" latinLnBrk="0" hangingPunct="1">
-              <a:defRPr sz="1800" kern="1200">
-                <a:solidFill>
-                  <a:schemeClr val="tx1"/>
-                </a:solidFill>
-                <a:latin typeface="+mn-lt"/>
-                <a:ea typeface="+mn-ea"/>
-                <a:cs typeface="+mn-cs"/>
-              </a:defRPr>
-            </a:lvl3pPr>
-            <a:lvl4pPr marL="1371600" algn="l" defTabSz="914400" rtl="0" eaLnBrk="1" latinLnBrk="0" hangingPunct="1">
-              <a:defRPr sz="1800" kern="1200">
-                <a:solidFill>
-                  <a:schemeClr val="tx1"/>
-                </a:solidFill>
-                <a:latin typeface="+mn-lt"/>
-                <a:ea typeface="+mn-ea"/>
-                <a:cs typeface="+mn-cs"/>
-              </a:defRPr>
-            </a:lvl4pPr>
-            <a:lvl5pPr marL="1828800" algn="l" defTabSz="914400" rtl="0" eaLnBrk="1" latinLnBrk="0" hangingPunct="1">
-              <a:defRPr sz="1800" kern="1200">
-                <a:solidFill>
-                  <a:schemeClr val="tx1"/>
-                </a:solidFill>
-                <a:latin typeface="+mn-lt"/>
-                <a:ea typeface="+mn-ea"/>
-                <a:cs typeface="+mn-cs"/>
-              </a:defRPr>
-            </a:lvl5pPr>
-            <a:lvl6pPr marL="2286000" algn="l" defTabSz="914400" rtl="0" eaLnBrk="1" latinLnBrk="0" hangingPunct="1">
-              <a:defRPr sz="1800" kern="1200">
-                <a:solidFill>
-                  <a:schemeClr val="tx1"/>
-                </a:solidFill>
-                <a:latin typeface="+mn-lt"/>
-                <a:ea typeface="+mn-ea"/>
-                <a:cs typeface="+mn-cs"/>
-              </a:defRPr>
-            </a:lvl6pPr>
-            <a:lvl7pPr marL="2743200" algn="l" defTabSz="914400" rtl="0" eaLnBrk="1" latinLnBrk="0" hangingPunct="1">
-              <a:defRPr sz="1800" kern="1200">
-                <a:solidFill>
-                  <a:schemeClr val="tx1"/>
-                </a:solidFill>
-                <a:latin typeface="+mn-lt"/>
-                <a:ea typeface="+mn-ea"/>
-                <a:cs typeface="+mn-cs"/>
-              </a:defRPr>
-            </a:lvl7pPr>
-            <a:lvl8pPr marL="3200400" algn="l" defTabSz="914400" rtl="0" eaLnBrk="1" latinLnBrk="0" hangingPunct="1">
-              <a:defRPr sz="1800" kern="1200">
-                <a:solidFill>
-                  <a:schemeClr val="tx1"/>
-                </a:solidFill>
-                <a:latin typeface="+mn-lt"/>
-                <a:ea typeface="+mn-ea"/>
-                <a:cs typeface="+mn-cs"/>
-              </a:defRPr>
-            </a:lvl8pPr>
-            <a:lvl9pPr marL="3657600" algn="l" defTabSz="914400" rtl="0" eaLnBrk="1" latinLnBrk="0" hangingPunct="1">
-              <a:defRPr sz="1800" kern="1200">
-                <a:solidFill>
-                  <a:schemeClr val="tx1"/>
-                </a:solidFill>
-                <a:latin typeface="+mn-lt"/>
-                <a:ea typeface="+mn-ea"/>
-                <a:cs typeface="+mn-cs"/>
-              </a:defRPr>
-            </a:lvl9pPr>
-          </a:lstStyle>
-          <a:p>
-            <a:r>
-              <a:rPr lang="en-US" altLang="zh-TW" dirty="0"/>
-              <a:t>TYIC</a:t>
-            </a:r>
-            <a:r>
-              <a:rPr lang="zh-TW" altLang="en-US"/>
-              <a:t>桃高資訊社</a:t>
-            </a:r>
-          </a:p>
-        </p:txBody>
-      </p:sp>
-      <p:sp>
-        <p:nvSpPr>
-          <p:cNvPr id="9" name="投影片編號版面配置區 5">
-            <a:extLst>
-              <a:ext uri="{FF2B5EF4-FFF2-40B4-BE49-F238E27FC236}">
-                <a16:creationId xmlns:a16="http://schemas.microsoft.com/office/drawing/2014/main" id="{6B740742-BB51-4CCB-AA18-2F0900F32D31}"/>
-              </a:ext>
-            </a:extLst>
-          </p:cNvPr>
-          <p:cNvSpPr txBox="1">
-            <a:spLocks/>
-          </p:cNvSpPr>
-          <p:nvPr/>
+          <p:nvPr userDrawn="1"/>
         </p:nvSpPr>
         <p:spPr>
           <a:xfrm>
@@ -3067,7 +2814,7 @@
     </p:spTree>
     <p:extLst>
       <p:ext uri="{BB962C8B-B14F-4D97-AF65-F5344CB8AC3E}">
-        <p14:creationId xmlns:p14="http://schemas.microsoft.com/office/powerpoint/2010/main" val="1790590299"/>
+        <p14:creationId xmlns:p14="http://schemas.microsoft.com/office/powerpoint/2010/main" val="2093415906"/>
       </p:ext>
     </p:extLst>
   </p:cSld>
@@ -3378,7 +3125,7 @@
             </a:r>
             <a:r>
               <a:rPr lang="zh-TW" altLang="en-US"/>
-              <a:t>桃高資訊社</a:t>
+              <a:t> 桃高資訊社</a:t>
             </a:r>
           </a:p>
         </p:txBody>
@@ -3515,276 +3262,10 @@
           </a:p>
         </p:txBody>
       </p:sp>
-      <p:sp>
-        <p:nvSpPr>
-          <p:cNvPr id="7" name="頁尾版面配置區 4">
-            <a:extLst>
-              <a:ext uri="{FF2B5EF4-FFF2-40B4-BE49-F238E27FC236}">
-                <a16:creationId xmlns:a16="http://schemas.microsoft.com/office/drawing/2014/main" id="{EF7FE82B-39CB-4D43-85C1-1888CFE5720D}"/>
-              </a:ext>
-            </a:extLst>
-          </p:cNvPr>
-          <p:cNvSpPr txBox="1">
-            <a:spLocks/>
-          </p:cNvSpPr>
-          <p:nvPr/>
-        </p:nvSpPr>
-        <p:spPr>
-          <a:xfrm>
-            <a:off x="0" y="6492875"/>
-            <a:ext cx="2743200" cy="365125"/>
-          </a:xfrm>
-          <a:prstGeom prst="rect">
-            <a:avLst/>
-          </a:prstGeom>
-        </p:spPr>
-        <p:txBody>
-          <a:bodyPr vert="horz" lIns="91440" tIns="45720" rIns="91440" bIns="45720" rtlCol="0" anchor="ctr"/>
-          <a:lstStyle>
-            <a:defPPr>
-              <a:defRPr lang="zh-TW"/>
-            </a:defPPr>
-            <a:lvl1pPr marL="0" algn="l" defTabSz="914400" rtl="0" eaLnBrk="1" latinLnBrk="0" hangingPunct="1">
-              <a:defRPr sz="1200" kern="1200">
-                <a:solidFill>
-                  <a:schemeClr val="tx1">
-                    <a:tint val="75000"/>
-                  </a:schemeClr>
-                </a:solidFill>
-                <a:latin typeface="+mn-lt"/>
-                <a:ea typeface="+mn-ea"/>
-                <a:cs typeface="+mn-cs"/>
-              </a:defRPr>
-            </a:lvl1pPr>
-            <a:lvl2pPr marL="457200" algn="l" defTabSz="914400" rtl="0" eaLnBrk="1" latinLnBrk="0" hangingPunct="1">
-              <a:defRPr sz="1800" kern="1200">
-                <a:solidFill>
-                  <a:schemeClr val="tx1"/>
-                </a:solidFill>
-                <a:latin typeface="+mn-lt"/>
-                <a:ea typeface="+mn-ea"/>
-                <a:cs typeface="+mn-cs"/>
-              </a:defRPr>
-            </a:lvl2pPr>
-            <a:lvl3pPr marL="914400" algn="l" defTabSz="914400" rtl="0" eaLnBrk="1" latinLnBrk="0" hangingPunct="1">
-              <a:defRPr sz="1800" kern="1200">
-                <a:solidFill>
-                  <a:schemeClr val="tx1"/>
-                </a:solidFill>
-                <a:latin typeface="+mn-lt"/>
-                <a:ea typeface="+mn-ea"/>
-                <a:cs typeface="+mn-cs"/>
-              </a:defRPr>
-            </a:lvl3pPr>
-            <a:lvl4pPr marL="1371600" algn="l" defTabSz="914400" rtl="0" eaLnBrk="1" latinLnBrk="0" hangingPunct="1">
-              <a:defRPr sz="1800" kern="1200">
-                <a:solidFill>
-                  <a:schemeClr val="tx1"/>
-                </a:solidFill>
-                <a:latin typeface="+mn-lt"/>
-                <a:ea typeface="+mn-ea"/>
-                <a:cs typeface="+mn-cs"/>
-              </a:defRPr>
-            </a:lvl4pPr>
-            <a:lvl5pPr marL="1828800" algn="l" defTabSz="914400" rtl="0" eaLnBrk="1" latinLnBrk="0" hangingPunct="1">
-              <a:defRPr sz="1800" kern="1200">
-                <a:solidFill>
-                  <a:schemeClr val="tx1"/>
-                </a:solidFill>
-                <a:latin typeface="+mn-lt"/>
-                <a:ea typeface="+mn-ea"/>
-                <a:cs typeface="+mn-cs"/>
-              </a:defRPr>
-            </a:lvl5pPr>
-            <a:lvl6pPr marL="2286000" algn="l" defTabSz="914400" rtl="0" eaLnBrk="1" latinLnBrk="0" hangingPunct="1">
-              <a:defRPr sz="1800" kern="1200">
-                <a:solidFill>
-                  <a:schemeClr val="tx1"/>
-                </a:solidFill>
-                <a:latin typeface="+mn-lt"/>
-                <a:ea typeface="+mn-ea"/>
-                <a:cs typeface="+mn-cs"/>
-              </a:defRPr>
-            </a:lvl6pPr>
-            <a:lvl7pPr marL="2743200" algn="l" defTabSz="914400" rtl="0" eaLnBrk="1" latinLnBrk="0" hangingPunct="1">
-              <a:defRPr sz="1800" kern="1200">
-                <a:solidFill>
-                  <a:schemeClr val="tx1"/>
-                </a:solidFill>
-                <a:latin typeface="+mn-lt"/>
-                <a:ea typeface="+mn-ea"/>
-                <a:cs typeface="+mn-cs"/>
-              </a:defRPr>
-            </a:lvl7pPr>
-            <a:lvl8pPr marL="3200400" algn="l" defTabSz="914400" rtl="0" eaLnBrk="1" latinLnBrk="0" hangingPunct="1">
-              <a:defRPr sz="1800" kern="1200">
-                <a:solidFill>
-                  <a:schemeClr val="tx1"/>
-                </a:solidFill>
-                <a:latin typeface="+mn-lt"/>
-                <a:ea typeface="+mn-ea"/>
-                <a:cs typeface="+mn-cs"/>
-              </a:defRPr>
-            </a:lvl8pPr>
-            <a:lvl9pPr marL="3657600" algn="l" defTabSz="914400" rtl="0" eaLnBrk="1" latinLnBrk="0" hangingPunct="1">
-              <a:defRPr sz="1800" kern="1200">
-                <a:solidFill>
-                  <a:schemeClr val="tx1"/>
-                </a:solidFill>
-                <a:latin typeface="+mn-lt"/>
-                <a:ea typeface="+mn-ea"/>
-                <a:cs typeface="+mn-cs"/>
-              </a:defRPr>
-            </a:lvl9pPr>
-          </a:lstStyle>
-          <a:p>
-            <a:r>
-              <a:rPr lang="en-US" altLang="zh-TW" dirty="0"/>
-              <a:t>TYIC</a:t>
-            </a:r>
-            <a:r>
-              <a:rPr lang="zh-TW" altLang="en-US"/>
-              <a:t>桃高資訊社</a:t>
-            </a:r>
-          </a:p>
-        </p:txBody>
-      </p:sp>
-      <p:sp>
-        <p:nvSpPr>
-          <p:cNvPr id="10" name="投影片編號版面配置區 5">
-            <a:extLst>
-              <a:ext uri="{FF2B5EF4-FFF2-40B4-BE49-F238E27FC236}">
-                <a16:creationId xmlns:a16="http://schemas.microsoft.com/office/drawing/2014/main" id="{C49BA910-B89D-480D-839D-27EA45309D92}"/>
-              </a:ext>
-            </a:extLst>
-          </p:cNvPr>
-          <p:cNvSpPr txBox="1">
-            <a:spLocks/>
-          </p:cNvSpPr>
-          <p:nvPr/>
-        </p:nvSpPr>
-        <p:spPr>
-          <a:xfrm>
-            <a:off x="9448800" y="6492874"/>
-            <a:ext cx="2743200" cy="365125"/>
-          </a:xfrm>
-          <a:prstGeom prst="rect">
-            <a:avLst/>
-          </a:prstGeom>
-        </p:spPr>
-        <p:txBody>
-          <a:bodyPr vert="horz" lIns="91440" tIns="45720" rIns="91440" bIns="45720" rtlCol="0" anchor="ctr"/>
-          <a:lstStyle>
-            <a:defPPr>
-              <a:defRPr lang="zh-TW"/>
-            </a:defPPr>
-            <a:lvl1pPr marL="0" algn="r" defTabSz="914400" rtl="0" eaLnBrk="1" latinLnBrk="0" hangingPunct="1">
-              <a:defRPr sz="1200" kern="1200">
-                <a:solidFill>
-                  <a:schemeClr val="tx1">
-                    <a:tint val="75000"/>
-                  </a:schemeClr>
-                </a:solidFill>
-                <a:latin typeface="+mn-lt"/>
-                <a:ea typeface="+mn-ea"/>
-                <a:cs typeface="+mn-cs"/>
-              </a:defRPr>
-            </a:lvl1pPr>
-            <a:lvl2pPr marL="457200" algn="l" defTabSz="914400" rtl="0" eaLnBrk="1" latinLnBrk="0" hangingPunct="1">
-              <a:defRPr sz="1800" kern="1200">
-                <a:solidFill>
-                  <a:schemeClr val="tx1"/>
-                </a:solidFill>
-                <a:latin typeface="+mn-lt"/>
-                <a:ea typeface="+mn-ea"/>
-                <a:cs typeface="+mn-cs"/>
-              </a:defRPr>
-            </a:lvl2pPr>
-            <a:lvl3pPr marL="914400" algn="l" defTabSz="914400" rtl="0" eaLnBrk="1" latinLnBrk="0" hangingPunct="1">
-              <a:defRPr sz="1800" kern="1200">
-                <a:solidFill>
-                  <a:schemeClr val="tx1"/>
-                </a:solidFill>
-                <a:latin typeface="+mn-lt"/>
-                <a:ea typeface="+mn-ea"/>
-                <a:cs typeface="+mn-cs"/>
-              </a:defRPr>
-            </a:lvl3pPr>
-            <a:lvl4pPr marL="1371600" algn="l" defTabSz="914400" rtl="0" eaLnBrk="1" latinLnBrk="0" hangingPunct="1">
-              <a:defRPr sz="1800" kern="1200">
-                <a:solidFill>
-                  <a:schemeClr val="tx1"/>
-                </a:solidFill>
-                <a:latin typeface="+mn-lt"/>
-                <a:ea typeface="+mn-ea"/>
-                <a:cs typeface="+mn-cs"/>
-              </a:defRPr>
-            </a:lvl4pPr>
-            <a:lvl5pPr marL="1828800" algn="l" defTabSz="914400" rtl="0" eaLnBrk="1" latinLnBrk="0" hangingPunct="1">
-              <a:defRPr sz="1800" kern="1200">
-                <a:solidFill>
-                  <a:schemeClr val="tx1"/>
-                </a:solidFill>
-                <a:latin typeface="+mn-lt"/>
-                <a:ea typeface="+mn-ea"/>
-                <a:cs typeface="+mn-cs"/>
-              </a:defRPr>
-            </a:lvl5pPr>
-            <a:lvl6pPr marL="2286000" algn="l" defTabSz="914400" rtl="0" eaLnBrk="1" latinLnBrk="0" hangingPunct="1">
-              <a:defRPr sz="1800" kern="1200">
-                <a:solidFill>
-                  <a:schemeClr val="tx1"/>
-                </a:solidFill>
-                <a:latin typeface="+mn-lt"/>
-                <a:ea typeface="+mn-ea"/>
-                <a:cs typeface="+mn-cs"/>
-              </a:defRPr>
-            </a:lvl6pPr>
-            <a:lvl7pPr marL="2743200" algn="l" defTabSz="914400" rtl="0" eaLnBrk="1" latinLnBrk="0" hangingPunct="1">
-              <a:defRPr sz="1800" kern="1200">
-                <a:solidFill>
-                  <a:schemeClr val="tx1"/>
-                </a:solidFill>
-                <a:latin typeface="+mn-lt"/>
-                <a:ea typeface="+mn-ea"/>
-                <a:cs typeface="+mn-cs"/>
-              </a:defRPr>
-            </a:lvl7pPr>
-            <a:lvl8pPr marL="3200400" algn="l" defTabSz="914400" rtl="0" eaLnBrk="1" latinLnBrk="0" hangingPunct="1">
-              <a:defRPr sz="1800" kern="1200">
-                <a:solidFill>
-                  <a:schemeClr val="tx1"/>
-                </a:solidFill>
-                <a:latin typeface="+mn-lt"/>
-                <a:ea typeface="+mn-ea"/>
-                <a:cs typeface="+mn-cs"/>
-              </a:defRPr>
-            </a:lvl8pPr>
-            <a:lvl9pPr marL="3657600" algn="l" defTabSz="914400" rtl="0" eaLnBrk="1" latinLnBrk="0" hangingPunct="1">
-              <a:defRPr sz="1800" kern="1200">
-                <a:solidFill>
-                  <a:schemeClr val="tx1"/>
-                </a:solidFill>
-                <a:latin typeface="+mn-lt"/>
-                <a:ea typeface="+mn-ea"/>
-                <a:cs typeface="+mn-cs"/>
-              </a:defRPr>
-            </a:lvl9pPr>
-          </a:lstStyle>
-          <a:p>
-            <a:fld id="{D4328D90-2A6F-4F23-88A8-C5DCC2B5F307}" type="slidenum">
-              <a:rPr lang="zh-TW" altLang="en-US" smtClean="0"/>
-              <a:pPr/>
-              <a:t>‹#›</a:t>
-            </a:fld>
-            <a:endParaRPr lang="zh-TW" altLang="en-US"/>
-          </a:p>
-        </p:txBody>
-      </p:sp>
     </p:spTree>
     <p:extLst>
       <p:ext uri="{BB962C8B-B14F-4D97-AF65-F5344CB8AC3E}">
-        <p14:creationId xmlns:p14="http://schemas.microsoft.com/office/powerpoint/2010/main" val="1623029601"/>
+        <p14:creationId xmlns:p14="http://schemas.microsoft.com/office/powerpoint/2010/main" val="2176514721"/>
       </p:ext>
     </p:extLst>
   </p:cSld>
@@ -4242,7 +3723,7 @@
             </a:r>
             <a:r>
               <a:rPr lang="zh-TW" altLang="en-US"/>
-              <a:t>桃高資訊社</a:t>
+              <a:t> 桃高資訊社</a:t>
             </a:r>
           </a:p>
         </p:txBody>
@@ -4379,276 +3860,10 @@
           </a:p>
         </p:txBody>
       </p:sp>
-      <p:sp>
-        <p:nvSpPr>
-          <p:cNvPr id="9" name="頁尾版面配置區 4">
-            <a:extLst>
-              <a:ext uri="{FF2B5EF4-FFF2-40B4-BE49-F238E27FC236}">
-                <a16:creationId xmlns:a16="http://schemas.microsoft.com/office/drawing/2014/main" id="{605C848C-2FFE-453B-B32A-6EEEAD465B71}"/>
-              </a:ext>
-            </a:extLst>
-          </p:cNvPr>
-          <p:cNvSpPr txBox="1">
-            <a:spLocks/>
-          </p:cNvSpPr>
-          <p:nvPr/>
-        </p:nvSpPr>
-        <p:spPr>
-          <a:xfrm>
-            <a:off x="0" y="6492875"/>
-            <a:ext cx="2743200" cy="365125"/>
-          </a:xfrm>
-          <a:prstGeom prst="rect">
-            <a:avLst/>
-          </a:prstGeom>
-        </p:spPr>
-        <p:txBody>
-          <a:bodyPr vert="horz" lIns="91440" tIns="45720" rIns="91440" bIns="45720" rtlCol="0" anchor="ctr"/>
-          <a:lstStyle>
-            <a:defPPr>
-              <a:defRPr lang="zh-TW"/>
-            </a:defPPr>
-            <a:lvl1pPr marL="0" algn="l" defTabSz="914400" rtl="0" eaLnBrk="1" latinLnBrk="0" hangingPunct="1">
-              <a:defRPr sz="1200" kern="1200">
-                <a:solidFill>
-                  <a:schemeClr val="tx1">
-                    <a:tint val="75000"/>
-                  </a:schemeClr>
-                </a:solidFill>
-                <a:latin typeface="+mn-lt"/>
-                <a:ea typeface="+mn-ea"/>
-                <a:cs typeface="+mn-cs"/>
-              </a:defRPr>
-            </a:lvl1pPr>
-            <a:lvl2pPr marL="457200" algn="l" defTabSz="914400" rtl="0" eaLnBrk="1" latinLnBrk="0" hangingPunct="1">
-              <a:defRPr sz="1800" kern="1200">
-                <a:solidFill>
-                  <a:schemeClr val="tx1"/>
-                </a:solidFill>
-                <a:latin typeface="+mn-lt"/>
-                <a:ea typeface="+mn-ea"/>
-                <a:cs typeface="+mn-cs"/>
-              </a:defRPr>
-            </a:lvl2pPr>
-            <a:lvl3pPr marL="914400" algn="l" defTabSz="914400" rtl="0" eaLnBrk="1" latinLnBrk="0" hangingPunct="1">
-              <a:defRPr sz="1800" kern="1200">
-                <a:solidFill>
-                  <a:schemeClr val="tx1"/>
-                </a:solidFill>
-                <a:latin typeface="+mn-lt"/>
-                <a:ea typeface="+mn-ea"/>
-                <a:cs typeface="+mn-cs"/>
-              </a:defRPr>
-            </a:lvl3pPr>
-            <a:lvl4pPr marL="1371600" algn="l" defTabSz="914400" rtl="0" eaLnBrk="1" latinLnBrk="0" hangingPunct="1">
-              <a:defRPr sz="1800" kern="1200">
-                <a:solidFill>
-                  <a:schemeClr val="tx1"/>
-                </a:solidFill>
-                <a:latin typeface="+mn-lt"/>
-                <a:ea typeface="+mn-ea"/>
-                <a:cs typeface="+mn-cs"/>
-              </a:defRPr>
-            </a:lvl4pPr>
-            <a:lvl5pPr marL="1828800" algn="l" defTabSz="914400" rtl="0" eaLnBrk="1" latinLnBrk="0" hangingPunct="1">
-              <a:defRPr sz="1800" kern="1200">
-                <a:solidFill>
-                  <a:schemeClr val="tx1"/>
-                </a:solidFill>
-                <a:latin typeface="+mn-lt"/>
-                <a:ea typeface="+mn-ea"/>
-                <a:cs typeface="+mn-cs"/>
-              </a:defRPr>
-            </a:lvl5pPr>
-            <a:lvl6pPr marL="2286000" algn="l" defTabSz="914400" rtl="0" eaLnBrk="1" latinLnBrk="0" hangingPunct="1">
-              <a:defRPr sz="1800" kern="1200">
-                <a:solidFill>
-                  <a:schemeClr val="tx1"/>
-                </a:solidFill>
-                <a:latin typeface="+mn-lt"/>
-                <a:ea typeface="+mn-ea"/>
-                <a:cs typeface="+mn-cs"/>
-              </a:defRPr>
-            </a:lvl6pPr>
-            <a:lvl7pPr marL="2743200" algn="l" defTabSz="914400" rtl="0" eaLnBrk="1" latinLnBrk="0" hangingPunct="1">
-              <a:defRPr sz="1800" kern="1200">
-                <a:solidFill>
-                  <a:schemeClr val="tx1"/>
-                </a:solidFill>
-                <a:latin typeface="+mn-lt"/>
-                <a:ea typeface="+mn-ea"/>
-                <a:cs typeface="+mn-cs"/>
-              </a:defRPr>
-            </a:lvl7pPr>
-            <a:lvl8pPr marL="3200400" algn="l" defTabSz="914400" rtl="0" eaLnBrk="1" latinLnBrk="0" hangingPunct="1">
-              <a:defRPr sz="1800" kern="1200">
-                <a:solidFill>
-                  <a:schemeClr val="tx1"/>
-                </a:solidFill>
-                <a:latin typeface="+mn-lt"/>
-                <a:ea typeface="+mn-ea"/>
-                <a:cs typeface="+mn-cs"/>
-              </a:defRPr>
-            </a:lvl8pPr>
-            <a:lvl9pPr marL="3657600" algn="l" defTabSz="914400" rtl="0" eaLnBrk="1" latinLnBrk="0" hangingPunct="1">
-              <a:defRPr sz="1800" kern="1200">
-                <a:solidFill>
-                  <a:schemeClr val="tx1"/>
-                </a:solidFill>
-                <a:latin typeface="+mn-lt"/>
-                <a:ea typeface="+mn-ea"/>
-                <a:cs typeface="+mn-cs"/>
-              </a:defRPr>
-            </a:lvl9pPr>
-          </a:lstStyle>
-          <a:p>
-            <a:r>
-              <a:rPr lang="en-US" altLang="zh-TW" dirty="0"/>
-              <a:t>TYIC</a:t>
-            </a:r>
-            <a:r>
-              <a:rPr lang="zh-TW" altLang="en-US"/>
-              <a:t>桃高資訊社</a:t>
-            </a:r>
-          </a:p>
-        </p:txBody>
-      </p:sp>
-      <p:sp>
-        <p:nvSpPr>
-          <p:cNvPr id="12" name="投影片編號版面配置區 5">
-            <a:extLst>
-              <a:ext uri="{FF2B5EF4-FFF2-40B4-BE49-F238E27FC236}">
-                <a16:creationId xmlns:a16="http://schemas.microsoft.com/office/drawing/2014/main" id="{BA25B8BA-C96A-4CF8-B988-C05CD53A4761}"/>
-              </a:ext>
-            </a:extLst>
-          </p:cNvPr>
-          <p:cNvSpPr txBox="1">
-            <a:spLocks/>
-          </p:cNvSpPr>
-          <p:nvPr/>
-        </p:nvSpPr>
-        <p:spPr>
-          <a:xfrm>
-            <a:off x="9448800" y="6492874"/>
-            <a:ext cx="2743200" cy="365125"/>
-          </a:xfrm>
-          <a:prstGeom prst="rect">
-            <a:avLst/>
-          </a:prstGeom>
-        </p:spPr>
-        <p:txBody>
-          <a:bodyPr vert="horz" lIns="91440" tIns="45720" rIns="91440" bIns="45720" rtlCol="0" anchor="ctr"/>
-          <a:lstStyle>
-            <a:defPPr>
-              <a:defRPr lang="zh-TW"/>
-            </a:defPPr>
-            <a:lvl1pPr marL="0" algn="r" defTabSz="914400" rtl="0" eaLnBrk="1" latinLnBrk="0" hangingPunct="1">
-              <a:defRPr sz="1200" kern="1200">
-                <a:solidFill>
-                  <a:schemeClr val="tx1">
-                    <a:tint val="75000"/>
-                  </a:schemeClr>
-                </a:solidFill>
-                <a:latin typeface="+mn-lt"/>
-                <a:ea typeface="+mn-ea"/>
-                <a:cs typeface="+mn-cs"/>
-              </a:defRPr>
-            </a:lvl1pPr>
-            <a:lvl2pPr marL="457200" algn="l" defTabSz="914400" rtl="0" eaLnBrk="1" latinLnBrk="0" hangingPunct="1">
-              <a:defRPr sz="1800" kern="1200">
-                <a:solidFill>
-                  <a:schemeClr val="tx1"/>
-                </a:solidFill>
-                <a:latin typeface="+mn-lt"/>
-                <a:ea typeface="+mn-ea"/>
-                <a:cs typeface="+mn-cs"/>
-              </a:defRPr>
-            </a:lvl2pPr>
-            <a:lvl3pPr marL="914400" algn="l" defTabSz="914400" rtl="0" eaLnBrk="1" latinLnBrk="0" hangingPunct="1">
-              <a:defRPr sz="1800" kern="1200">
-                <a:solidFill>
-                  <a:schemeClr val="tx1"/>
-                </a:solidFill>
-                <a:latin typeface="+mn-lt"/>
-                <a:ea typeface="+mn-ea"/>
-                <a:cs typeface="+mn-cs"/>
-              </a:defRPr>
-            </a:lvl3pPr>
-            <a:lvl4pPr marL="1371600" algn="l" defTabSz="914400" rtl="0" eaLnBrk="1" latinLnBrk="0" hangingPunct="1">
-              <a:defRPr sz="1800" kern="1200">
-                <a:solidFill>
-                  <a:schemeClr val="tx1"/>
-                </a:solidFill>
-                <a:latin typeface="+mn-lt"/>
-                <a:ea typeface="+mn-ea"/>
-                <a:cs typeface="+mn-cs"/>
-              </a:defRPr>
-            </a:lvl4pPr>
-            <a:lvl5pPr marL="1828800" algn="l" defTabSz="914400" rtl="0" eaLnBrk="1" latinLnBrk="0" hangingPunct="1">
-              <a:defRPr sz="1800" kern="1200">
-                <a:solidFill>
-                  <a:schemeClr val="tx1"/>
-                </a:solidFill>
-                <a:latin typeface="+mn-lt"/>
-                <a:ea typeface="+mn-ea"/>
-                <a:cs typeface="+mn-cs"/>
-              </a:defRPr>
-            </a:lvl5pPr>
-            <a:lvl6pPr marL="2286000" algn="l" defTabSz="914400" rtl="0" eaLnBrk="1" latinLnBrk="0" hangingPunct="1">
-              <a:defRPr sz="1800" kern="1200">
-                <a:solidFill>
-                  <a:schemeClr val="tx1"/>
-                </a:solidFill>
-                <a:latin typeface="+mn-lt"/>
-                <a:ea typeface="+mn-ea"/>
-                <a:cs typeface="+mn-cs"/>
-              </a:defRPr>
-            </a:lvl6pPr>
-            <a:lvl7pPr marL="2743200" algn="l" defTabSz="914400" rtl="0" eaLnBrk="1" latinLnBrk="0" hangingPunct="1">
-              <a:defRPr sz="1800" kern="1200">
-                <a:solidFill>
-                  <a:schemeClr val="tx1"/>
-                </a:solidFill>
-                <a:latin typeface="+mn-lt"/>
-                <a:ea typeface="+mn-ea"/>
-                <a:cs typeface="+mn-cs"/>
-              </a:defRPr>
-            </a:lvl7pPr>
-            <a:lvl8pPr marL="3200400" algn="l" defTabSz="914400" rtl="0" eaLnBrk="1" latinLnBrk="0" hangingPunct="1">
-              <a:defRPr sz="1800" kern="1200">
-                <a:solidFill>
-                  <a:schemeClr val="tx1"/>
-                </a:solidFill>
-                <a:latin typeface="+mn-lt"/>
-                <a:ea typeface="+mn-ea"/>
-                <a:cs typeface="+mn-cs"/>
-              </a:defRPr>
-            </a:lvl8pPr>
-            <a:lvl9pPr marL="3657600" algn="l" defTabSz="914400" rtl="0" eaLnBrk="1" latinLnBrk="0" hangingPunct="1">
-              <a:defRPr sz="1800" kern="1200">
-                <a:solidFill>
-                  <a:schemeClr val="tx1"/>
-                </a:solidFill>
-                <a:latin typeface="+mn-lt"/>
-                <a:ea typeface="+mn-ea"/>
-                <a:cs typeface="+mn-cs"/>
-              </a:defRPr>
-            </a:lvl9pPr>
-          </a:lstStyle>
-          <a:p>
-            <a:fld id="{D4328D90-2A6F-4F23-88A8-C5DCC2B5F307}" type="slidenum">
-              <a:rPr lang="zh-TW" altLang="en-US" smtClean="0"/>
-              <a:pPr/>
-              <a:t>‹#›</a:t>
-            </a:fld>
-            <a:endParaRPr lang="zh-TW" altLang="en-US"/>
-          </a:p>
-        </p:txBody>
-      </p:sp>
     </p:spTree>
     <p:extLst>
       <p:ext uri="{BB962C8B-B14F-4D97-AF65-F5344CB8AC3E}">
-        <p14:creationId xmlns:p14="http://schemas.microsoft.com/office/powerpoint/2010/main" val="2086341487"/>
+        <p14:creationId xmlns:p14="http://schemas.microsoft.com/office/powerpoint/2010/main" val="1740284140"/>
       </p:ext>
     </p:extLst>
   </p:cSld>
@@ -4835,7 +4050,7 @@
             </a:r>
             <a:r>
               <a:rPr lang="zh-TW" altLang="en-US"/>
-              <a:t>桃高資訊社</a:t>
+              <a:t> 桃高資訊社</a:t>
             </a:r>
           </a:p>
         </p:txBody>
@@ -4972,276 +4187,10 @@
           </a:p>
         </p:txBody>
       </p:sp>
-      <p:sp>
-        <p:nvSpPr>
-          <p:cNvPr id="5" name="頁尾版面配置區 4">
-            <a:extLst>
-              <a:ext uri="{FF2B5EF4-FFF2-40B4-BE49-F238E27FC236}">
-                <a16:creationId xmlns:a16="http://schemas.microsoft.com/office/drawing/2014/main" id="{D8E74B65-EAF7-495F-B1FC-F79D9D03475E}"/>
-              </a:ext>
-            </a:extLst>
-          </p:cNvPr>
-          <p:cNvSpPr txBox="1">
-            <a:spLocks/>
-          </p:cNvSpPr>
-          <p:nvPr/>
-        </p:nvSpPr>
-        <p:spPr>
-          <a:xfrm>
-            <a:off x="0" y="6492875"/>
-            <a:ext cx="2743200" cy="365125"/>
-          </a:xfrm>
-          <a:prstGeom prst="rect">
-            <a:avLst/>
-          </a:prstGeom>
-        </p:spPr>
-        <p:txBody>
-          <a:bodyPr vert="horz" lIns="91440" tIns="45720" rIns="91440" bIns="45720" rtlCol="0" anchor="ctr"/>
-          <a:lstStyle>
-            <a:defPPr>
-              <a:defRPr lang="zh-TW"/>
-            </a:defPPr>
-            <a:lvl1pPr marL="0" algn="l" defTabSz="914400" rtl="0" eaLnBrk="1" latinLnBrk="0" hangingPunct="1">
-              <a:defRPr sz="1200" kern="1200">
-                <a:solidFill>
-                  <a:schemeClr val="tx1">
-                    <a:tint val="75000"/>
-                  </a:schemeClr>
-                </a:solidFill>
-                <a:latin typeface="+mn-lt"/>
-                <a:ea typeface="+mn-ea"/>
-                <a:cs typeface="+mn-cs"/>
-              </a:defRPr>
-            </a:lvl1pPr>
-            <a:lvl2pPr marL="457200" algn="l" defTabSz="914400" rtl="0" eaLnBrk="1" latinLnBrk="0" hangingPunct="1">
-              <a:defRPr sz="1800" kern="1200">
-                <a:solidFill>
-                  <a:schemeClr val="tx1"/>
-                </a:solidFill>
-                <a:latin typeface="+mn-lt"/>
-                <a:ea typeface="+mn-ea"/>
-                <a:cs typeface="+mn-cs"/>
-              </a:defRPr>
-            </a:lvl2pPr>
-            <a:lvl3pPr marL="914400" algn="l" defTabSz="914400" rtl="0" eaLnBrk="1" latinLnBrk="0" hangingPunct="1">
-              <a:defRPr sz="1800" kern="1200">
-                <a:solidFill>
-                  <a:schemeClr val="tx1"/>
-                </a:solidFill>
-                <a:latin typeface="+mn-lt"/>
-                <a:ea typeface="+mn-ea"/>
-                <a:cs typeface="+mn-cs"/>
-              </a:defRPr>
-            </a:lvl3pPr>
-            <a:lvl4pPr marL="1371600" algn="l" defTabSz="914400" rtl="0" eaLnBrk="1" latinLnBrk="0" hangingPunct="1">
-              <a:defRPr sz="1800" kern="1200">
-                <a:solidFill>
-                  <a:schemeClr val="tx1"/>
-                </a:solidFill>
-                <a:latin typeface="+mn-lt"/>
-                <a:ea typeface="+mn-ea"/>
-                <a:cs typeface="+mn-cs"/>
-              </a:defRPr>
-            </a:lvl4pPr>
-            <a:lvl5pPr marL="1828800" algn="l" defTabSz="914400" rtl="0" eaLnBrk="1" latinLnBrk="0" hangingPunct="1">
-              <a:defRPr sz="1800" kern="1200">
-                <a:solidFill>
-                  <a:schemeClr val="tx1"/>
-                </a:solidFill>
-                <a:latin typeface="+mn-lt"/>
-                <a:ea typeface="+mn-ea"/>
-                <a:cs typeface="+mn-cs"/>
-              </a:defRPr>
-            </a:lvl5pPr>
-            <a:lvl6pPr marL="2286000" algn="l" defTabSz="914400" rtl="0" eaLnBrk="1" latinLnBrk="0" hangingPunct="1">
-              <a:defRPr sz="1800" kern="1200">
-                <a:solidFill>
-                  <a:schemeClr val="tx1"/>
-                </a:solidFill>
-                <a:latin typeface="+mn-lt"/>
-                <a:ea typeface="+mn-ea"/>
-                <a:cs typeface="+mn-cs"/>
-              </a:defRPr>
-            </a:lvl6pPr>
-            <a:lvl7pPr marL="2743200" algn="l" defTabSz="914400" rtl="0" eaLnBrk="1" latinLnBrk="0" hangingPunct="1">
-              <a:defRPr sz="1800" kern="1200">
-                <a:solidFill>
-                  <a:schemeClr val="tx1"/>
-                </a:solidFill>
-                <a:latin typeface="+mn-lt"/>
-                <a:ea typeface="+mn-ea"/>
-                <a:cs typeface="+mn-cs"/>
-              </a:defRPr>
-            </a:lvl7pPr>
-            <a:lvl8pPr marL="3200400" algn="l" defTabSz="914400" rtl="0" eaLnBrk="1" latinLnBrk="0" hangingPunct="1">
-              <a:defRPr sz="1800" kern="1200">
-                <a:solidFill>
-                  <a:schemeClr val="tx1"/>
-                </a:solidFill>
-                <a:latin typeface="+mn-lt"/>
-                <a:ea typeface="+mn-ea"/>
-                <a:cs typeface="+mn-cs"/>
-              </a:defRPr>
-            </a:lvl8pPr>
-            <a:lvl9pPr marL="3657600" algn="l" defTabSz="914400" rtl="0" eaLnBrk="1" latinLnBrk="0" hangingPunct="1">
-              <a:defRPr sz="1800" kern="1200">
-                <a:solidFill>
-                  <a:schemeClr val="tx1"/>
-                </a:solidFill>
-                <a:latin typeface="+mn-lt"/>
-                <a:ea typeface="+mn-ea"/>
-                <a:cs typeface="+mn-cs"/>
-              </a:defRPr>
-            </a:lvl9pPr>
-          </a:lstStyle>
-          <a:p>
-            <a:r>
-              <a:rPr lang="en-US" altLang="zh-TW" dirty="0"/>
-              <a:t>TYIC</a:t>
-            </a:r>
-            <a:r>
-              <a:rPr lang="zh-TW" altLang="en-US"/>
-              <a:t>桃高資訊社</a:t>
-            </a:r>
-          </a:p>
-        </p:txBody>
-      </p:sp>
-      <p:sp>
-        <p:nvSpPr>
-          <p:cNvPr id="8" name="投影片編號版面配置區 5">
-            <a:extLst>
-              <a:ext uri="{FF2B5EF4-FFF2-40B4-BE49-F238E27FC236}">
-                <a16:creationId xmlns:a16="http://schemas.microsoft.com/office/drawing/2014/main" id="{9D527980-0A68-41A1-8AEA-310C2B755958}"/>
-              </a:ext>
-            </a:extLst>
-          </p:cNvPr>
-          <p:cNvSpPr txBox="1">
-            <a:spLocks/>
-          </p:cNvSpPr>
-          <p:nvPr/>
-        </p:nvSpPr>
-        <p:spPr>
-          <a:xfrm>
-            <a:off x="9448800" y="6492874"/>
-            <a:ext cx="2743200" cy="365125"/>
-          </a:xfrm>
-          <a:prstGeom prst="rect">
-            <a:avLst/>
-          </a:prstGeom>
-        </p:spPr>
-        <p:txBody>
-          <a:bodyPr vert="horz" lIns="91440" tIns="45720" rIns="91440" bIns="45720" rtlCol="0" anchor="ctr"/>
-          <a:lstStyle>
-            <a:defPPr>
-              <a:defRPr lang="zh-TW"/>
-            </a:defPPr>
-            <a:lvl1pPr marL="0" algn="r" defTabSz="914400" rtl="0" eaLnBrk="1" latinLnBrk="0" hangingPunct="1">
-              <a:defRPr sz="1200" kern="1200">
-                <a:solidFill>
-                  <a:schemeClr val="tx1">
-                    <a:tint val="75000"/>
-                  </a:schemeClr>
-                </a:solidFill>
-                <a:latin typeface="+mn-lt"/>
-                <a:ea typeface="+mn-ea"/>
-                <a:cs typeface="+mn-cs"/>
-              </a:defRPr>
-            </a:lvl1pPr>
-            <a:lvl2pPr marL="457200" algn="l" defTabSz="914400" rtl="0" eaLnBrk="1" latinLnBrk="0" hangingPunct="1">
-              <a:defRPr sz="1800" kern="1200">
-                <a:solidFill>
-                  <a:schemeClr val="tx1"/>
-                </a:solidFill>
-                <a:latin typeface="+mn-lt"/>
-                <a:ea typeface="+mn-ea"/>
-                <a:cs typeface="+mn-cs"/>
-              </a:defRPr>
-            </a:lvl2pPr>
-            <a:lvl3pPr marL="914400" algn="l" defTabSz="914400" rtl="0" eaLnBrk="1" latinLnBrk="0" hangingPunct="1">
-              <a:defRPr sz="1800" kern="1200">
-                <a:solidFill>
-                  <a:schemeClr val="tx1"/>
-                </a:solidFill>
-                <a:latin typeface="+mn-lt"/>
-                <a:ea typeface="+mn-ea"/>
-                <a:cs typeface="+mn-cs"/>
-              </a:defRPr>
-            </a:lvl3pPr>
-            <a:lvl4pPr marL="1371600" algn="l" defTabSz="914400" rtl="0" eaLnBrk="1" latinLnBrk="0" hangingPunct="1">
-              <a:defRPr sz="1800" kern="1200">
-                <a:solidFill>
-                  <a:schemeClr val="tx1"/>
-                </a:solidFill>
-                <a:latin typeface="+mn-lt"/>
-                <a:ea typeface="+mn-ea"/>
-                <a:cs typeface="+mn-cs"/>
-              </a:defRPr>
-            </a:lvl4pPr>
-            <a:lvl5pPr marL="1828800" algn="l" defTabSz="914400" rtl="0" eaLnBrk="1" latinLnBrk="0" hangingPunct="1">
-              <a:defRPr sz="1800" kern="1200">
-                <a:solidFill>
-                  <a:schemeClr val="tx1"/>
-                </a:solidFill>
-                <a:latin typeface="+mn-lt"/>
-                <a:ea typeface="+mn-ea"/>
-                <a:cs typeface="+mn-cs"/>
-              </a:defRPr>
-            </a:lvl5pPr>
-            <a:lvl6pPr marL="2286000" algn="l" defTabSz="914400" rtl="0" eaLnBrk="1" latinLnBrk="0" hangingPunct="1">
-              <a:defRPr sz="1800" kern="1200">
-                <a:solidFill>
-                  <a:schemeClr val="tx1"/>
-                </a:solidFill>
-                <a:latin typeface="+mn-lt"/>
-                <a:ea typeface="+mn-ea"/>
-                <a:cs typeface="+mn-cs"/>
-              </a:defRPr>
-            </a:lvl6pPr>
-            <a:lvl7pPr marL="2743200" algn="l" defTabSz="914400" rtl="0" eaLnBrk="1" latinLnBrk="0" hangingPunct="1">
-              <a:defRPr sz="1800" kern="1200">
-                <a:solidFill>
-                  <a:schemeClr val="tx1"/>
-                </a:solidFill>
-                <a:latin typeface="+mn-lt"/>
-                <a:ea typeface="+mn-ea"/>
-                <a:cs typeface="+mn-cs"/>
-              </a:defRPr>
-            </a:lvl7pPr>
-            <a:lvl8pPr marL="3200400" algn="l" defTabSz="914400" rtl="0" eaLnBrk="1" latinLnBrk="0" hangingPunct="1">
-              <a:defRPr sz="1800" kern="1200">
-                <a:solidFill>
-                  <a:schemeClr val="tx1"/>
-                </a:solidFill>
-                <a:latin typeface="+mn-lt"/>
-                <a:ea typeface="+mn-ea"/>
-                <a:cs typeface="+mn-cs"/>
-              </a:defRPr>
-            </a:lvl8pPr>
-            <a:lvl9pPr marL="3657600" algn="l" defTabSz="914400" rtl="0" eaLnBrk="1" latinLnBrk="0" hangingPunct="1">
-              <a:defRPr sz="1800" kern="1200">
-                <a:solidFill>
-                  <a:schemeClr val="tx1"/>
-                </a:solidFill>
-                <a:latin typeface="+mn-lt"/>
-                <a:ea typeface="+mn-ea"/>
-                <a:cs typeface="+mn-cs"/>
-              </a:defRPr>
-            </a:lvl9pPr>
-          </a:lstStyle>
-          <a:p>
-            <a:fld id="{D4328D90-2A6F-4F23-88A8-C5DCC2B5F307}" type="slidenum">
-              <a:rPr lang="zh-TW" altLang="en-US" smtClean="0"/>
-              <a:pPr/>
-              <a:t>‹#›</a:t>
-            </a:fld>
-            <a:endParaRPr lang="zh-TW" altLang="en-US"/>
-          </a:p>
-        </p:txBody>
-      </p:sp>
     </p:spTree>
     <p:extLst>
       <p:ext uri="{BB962C8B-B14F-4D97-AF65-F5344CB8AC3E}">
-        <p14:creationId xmlns:p14="http://schemas.microsoft.com/office/powerpoint/2010/main" val="3569473900"/>
+        <p14:creationId xmlns:p14="http://schemas.microsoft.com/office/powerpoint/2010/main" val="4147409889"/>
       </p:ext>
     </p:extLst>
   </p:cSld>
@@ -5400,7 +4349,7 @@
             </a:r>
             <a:r>
               <a:rPr lang="zh-TW" altLang="en-US"/>
-              <a:t>桃高資訊社</a:t>
+              <a:t> 桃高資訊社</a:t>
             </a:r>
           </a:p>
         </p:txBody>
@@ -5537,276 +4486,10 @@
           </a:p>
         </p:txBody>
       </p:sp>
-      <p:sp>
-        <p:nvSpPr>
-          <p:cNvPr id="4" name="頁尾版面配置區 4">
-            <a:extLst>
-              <a:ext uri="{FF2B5EF4-FFF2-40B4-BE49-F238E27FC236}">
-                <a16:creationId xmlns:a16="http://schemas.microsoft.com/office/drawing/2014/main" id="{DE9530A3-8E8B-4035-8447-3C54676CB584}"/>
-              </a:ext>
-            </a:extLst>
-          </p:cNvPr>
-          <p:cNvSpPr txBox="1">
-            <a:spLocks/>
-          </p:cNvSpPr>
-          <p:nvPr/>
-        </p:nvSpPr>
-        <p:spPr>
-          <a:xfrm>
-            <a:off x="0" y="6492875"/>
-            <a:ext cx="2743200" cy="365125"/>
-          </a:xfrm>
-          <a:prstGeom prst="rect">
-            <a:avLst/>
-          </a:prstGeom>
-        </p:spPr>
-        <p:txBody>
-          <a:bodyPr vert="horz" lIns="91440" tIns="45720" rIns="91440" bIns="45720" rtlCol="0" anchor="ctr"/>
-          <a:lstStyle>
-            <a:defPPr>
-              <a:defRPr lang="zh-TW"/>
-            </a:defPPr>
-            <a:lvl1pPr marL="0" algn="l" defTabSz="914400" rtl="0" eaLnBrk="1" latinLnBrk="0" hangingPunct="1">
-              <a:defRPr sz="1200" kern="1200">
-                <a:solidFill>
-                  <a:schemeClr val="tx1">
-                    <a:tint val="75000"/>
-                  </a:schemeClr>
-                </a:solidFill>
-                <a:latin typeface="+mn-lt"/>
-                <a:ea typeface="+mn-ea"/>
-                <a:cs typeface="+mn-cs"/>
-              </a:defRPr>
-            </a:lvl1pPr>
-            <a:lvl2pPr marL="457200" algn="l" defTabSz="914400" rtl="0" eaLnBrk="1" latinLnBrk="0" hangingPunct="1">
-              <a:defRPr sz="1800" kern="1200">
-                <a:solidFill>
-                  <a:schemeClr val="tx1"/>
-                </a:solidFill>
-                <a:latin typeface="+mn-lt"/>
-                <a:ea typeface="+mn-ea"/>
-                <a:cs typeface="+mn-cs"/>
-              </a:defRPr>
-            </a:lvl2pPr>
-            <a:lvl3pPr marL="914400" algn="l" defTabSz="914400" rtl="0" eaLnBrk="1" latinLnBrk="0" hangingPunct="1">
-              <a:defRPr sz="1800" kern="1200">
-                <a:solidFill>
-                  <a:schemeClr val="tx1"/>
-                </a:solidFill>
-                <a:latin typeface="+mn-lt"/>
-                <a:ea typeface="+mn-ea"/>
-                <a:cs typeface="+mn-cs"/>
-              </a:defRPr>
-            </a:lvl3pPr>
-            <a:lvl4pPr marL="1371600" algn="l" defTabSz="914400" rtl="0" eaLnBrk="1" latinLnBrk="0" hangingPunct="1">
-              <a:defRPr sz="1800" kern="1200">
-                <a:solidFill>
-                  <a:schemeClr val="tx1"/>
-                </a:solidFill>
-                <a:latin typeface="+mn-lt"/>
-                <a:ea typeface="+mn-ea"/>
-                <a:cs typeface="+mn-cs"/>
-              </a:defRPr>
-            </a:lvl4pPr>
-            <a:lvl5pPr marL="1828800" algn="l" defTabSz="914400" rtl="0" eaLnBrk="1" latinLnBrk="0" hangingPunct="1">
-              <a:defRPr sz="1800" kern="1200">
-                <a:solidFill>
-                  <a:schemeClr val="tx1"/>
-                </a:solidFill>
-                <a:latin typeface="+mn-lt"/>
-                <a:ea typeface="+mn-ea"/>
-                <a:cs typeface="+mn-cs"/>
-              </a:defRPr>
-            </a:lvl5pPr>
-            <a:lvl6pPr marL="2286000" algn="l" defTabSz="914400" rtl="0" eaLnBrk="1" latinLnBrk="0" hangingPunct="1">
-              <a:defRPr sz="1800" kern="1200">
-                <a:solidFill>
-                  <a:schemeClr val="tx1"/>
-                </a:solidFill>
-                <a:latin typeface="+mn-lt"/>
-                <a:ea typeface="+mn-ea"/>
-                <a:cs typeface="+mn-cs"/>
-              </a:defRPr>
-            </a:lvl6pPr>
-            <a:lvl7pPr marL="2743200" algn="l" defTabSz="914400" rtl="0" eaLnBrk="1" latinLnBrk="0" hangingPunct="1">
-              <a:defRPr sz="1800" kern="1200">
-                <a:solidFill>
-                  <a:schemeClr val="tx1"/>
-                </a:solidFill>
-                <a:latin typeface="+mn-lt"/>
-                <a:ea typeface="+mn-ea"/>
-                <a:cs typeface="+mn-cs"/>
-              </a:defRPr>
-            </a:lvl7pPr>
-            <a:lvl8pPr marL="3200400" algn="l" defTabSz="914400" rtl="0" eaLnBrk="1" latinLnBrk="0" hangingPunct="1">
-              <a:defRPr sz="1800" kern="1200">
-                <a:solidFill>
-                  <a:schemeClr val="tx1"/>
-                </a:solidFill>
-                <a:latin typeface="+mn-lt"/>
-                <a:ea typeface="+mn-ea"/>
-                <a:cs typeface="+mn-cs"/>
-              </a:defRPr>
-            </a:lvl8pPr>
-            <a:lvl9pPr marL="3657600" algn="l" defTabSz="914400" rtl="0" eaLnBrk="1" latinLnBrk="0" hangingPunct="1">
-              <a:defRPr sz="1800" kern="1200">
-                <a:solidFill>
-                  <a:schemeClr val="tx1"/>
-                </a:solidFill>
-                <a:latin typeface="+mn-lt"/>
-                <a:ea typeface="+mn-ea"/>
-                <a:cs typeface="+mn-cs"/>
-              </a:defRPr>
-            </a:lvl9pPr>
-          </a:lstStyle>
-          <a:p>
-            <a:r>
-              <a:rPr lang="en-US" altLang="zh-TW" dirty="0"/>
-              <a:t>TYIC</a:t>
-            </a:r>
-            <a:r>
-              <a:rPr lang="zh-TW" altLang="en-US"/>
-              <a:t>桃高資訊社</a:t>
-            </a:r>
-          </a:p>
-        </p:txBody>
-      </p:sp>
-      <p:sp>
-        <p:nvSpPr>
-          <p:cNvPr id="7" name="投影片編號版面配置區 5">
-            <a:extLst>
-              <a:ext uri="{FF2B5EF4-FFF2-40B4-BE49-F238E27FC236}">
-                <a16:creationId xmlns:a16="http://schemas.microsoft.com/office/drawing/2014/main" id="{A1767755-B60F-4671-8CA1-A778B3D23A26}"/>
-              </a:ext>
-            </a:extLst>
-          </p:cNvPr>
-          <p:cNvSpPr txBox="1">
-            <a:spLocks/>
-          </p:cNvSpPr>
-          <p:nvPr/>
-        </p:nvSpPr>
-        <p:spPr>
-          <a:xfrm>
-            <a:off x="9448800" y="6492874"/>
-            <a:ext cx="2743200" cy="365125"/>
-          </a:xfrm>
-          <a:prstGeom prst="rect">
-            <a:avLst/>
-          </a:prstGeom>
-        </p:spPr>
-        <p:txBody>
-          <a:bodyPr vert="horz" lIns="91440" tIns="45720" rIns="91440" bIns="45720" rtlCol="0" anchor="ctr"/>
-          <a:lstStyle>
-            <a:defPPr>
-              <a:defRPr lang="zh-TW"/>
-            </a:defPPr>
-            <a:lvl1pPr marL="0" algn="r" defTabSz="914400" rtl="0" eaLnBrk="1" latinLnBrk="0" hangingPunct="1">
-              <a:defRPr sz="1200" kern="1200">
-                <a:solidFill>
-                  <a:schemeClr val="tx1">
-                    <a:tint val="75000"/>
-                  </a:schemeClr>
-                </a:solidFill>
-                <a:latin typeface="+mn-lt"/>
-                <a:ea typeface="+mn-ea"/>
-                <a:cs typeface="+mn-cs"/>
-              </a:defRPr>
-            </a:lvl1pPr>
-            <a:lvl2pPr marL="457200" algn="l" defTabSz="914400" rtl="0" eaLnBrk="1" latinLnBrk="0" hangingPunct="1">
-              <a:defRPr sz="1800" kern="1200">
-                <a:solidFill>
-                  <a:schemeClr val="tx1"/>
-                </a:solidFill>
-                <a:latin typeface="+mn-lt"/>
-                <a:ea typeface="+mn-ea"/>
-                <a:cs typeface="+mn-cs"/>
-              </a:defRPr>
-            </a:lvl2pPr>
-            <a:lvl3pPr marL="914400" algn="l" defTabSz="914400" rtl="0" eaLnBrk="1" latinLnBrk="0" hangingPunct="1">
-              <a:defRPr sz="1800" kern="1200">
-                <a:solidFill>
-                  <a:schemeClr val="tx1"/>
-                </a:solidFill>
-                <a:latin typeface="+mn-lt"/>
-                <a:ea typeface="+mn-ea"/>
-                <a:cs typeface="+mn-cs"/>
-              </a:defRPr>
-            </a:lvl3pPr>
-            <a:lvl4pPr marL="1371600" algn="l" defTabSz="914400" rtl="0" eaLnBrk="1" latinLnBrk="0" hangingPunct="1">
-              <a:defRPr sz="1800" kern="1200">
-                <a:solidFill>
-                  <a:schemeClr val="tx1"/>
-                </a:solidFill>
-                <a:latin typeface="+mn-lt"/>
-                <a:ea typeface="+mn-ea"/>
-                <a:cs typeface="+mn-cs"/>
-              </a:defRPr>
-            </a:lvl4pPr>
-            <a:lvl5pPr marL="1828800" algn="l" defTabSz="914400" rtl="0" eaLnBrk="1" latinLnBrk="0" hangingPunct="1">
-              <a:defRPr sz="1800" kern="1200">
-                <a:solidFill>
-                  <a:schemeClr val="tx1"/>
-                </a:solidFill>
-                <a:latin typeface="+mn-lt"/>
-                <a:ea typeface="+mn-ea"/>
-                <a:cs typeface="+mn-cs"/>
-              </a:defRPr>
-            </a:lvl5pPr>
-            <a:lvl6pPr marL="2286000" algn="l" defTabSz="914400" rtl="0" eaLnBrk="1" latinLnBrk="0" hangingPunct="1">
-              <a:defRPr sz="1800" kern="1200">
-                <a:solidFill>
-                  <a:schemeClr val="tx1"/>
-                </a:solidFill>
-                <a:latin typeface="+mn-lt"/>
-                <a:ea typeface="+mn-ea"/>
-                <a:cs typeface="+mn-cs"/>
-              </a:defRPr>
-            </a:lvl6pPr>
-            <a:lvl7pPr marL="2743200" algn="l" defTabSz="914400" rtl="0" eaLnBrk="1" latinLnBrk="0" hangingPunct="1">
-              <a:defRPr sz="1800" kern="1200">
-                <a:solidFill>
-                  <a:schemeClr val="tx1"/>
-                </a:solidFill>
-                <a:latin typeface="+mn-lt"/>
-                <a:ea typeface="+mn-ea"/>
-                <a:cs typeface="+mn-cs"/>
-              </a:defRPr>
-            </a:lvl7pPr>
-            <a:lvl8pPr marL="3200400" algn="l" defTabSz="914400" rtl="0" eaLnBrk="1" latinLnBrk="0" hangingPunct="1">
-              <a:defRPr sz="1800" kern="1200">
-                <a:solidFill>
-                  <a:schemeClr val="tx1"/>
-                </a:solidFill>
-                <a:latin typeface="+mn-lt"/>
-                <a:ea typeface="+mn-ea"/>
-                <a:cs typeface="+mn-cs"/>
-              </a:defRPr>
-            </a:lvl8pPr>
-            <a:lvl9pPr marL="3657600" algn="l" defTabSz="914400" rtl="0" eaLnBrk="1" latinLnBrk="0" hangingPunct="1">
-              <a:defRPr sz="1800" kern="1200">
-                <a:solidFill>
-                  <a:schemeClr val="tx1"/>
-                </a:solidFill>
-                <a:latin typeface="+mn-lt"/>
-                <a:ea typeface="+mn-ea"/>
-                <a:cs typeface="+mn-cs"/>
-              </a:defRPr>
-            </a:lvl9pPr>
-          </a:lstStyle>
-          <a:p>
-            <a:fld id="{D4328D90-2A6F-4F23-88A8-C5DCC2B5F307}" type="slidenum">
-              <a:rPr lang="zh-TW" altLang="en-US" smtClean="0"/>
-              <a:pPr/>
-              <a:t>‹#›</a:t>
-            </a:fld>
-            <a:endParaRPr lang="zh-TW" altLang="en-US"/>
-          </a:p>
-        </p:txBody>
-      </p:sp>
     </p:spTree>
     <p:extLst>
       <p:ext uri="{BB962C8B-B14F-4D97-AF65-F5344CB8AC3E}">
-        <p14:creationId xmlns:p14="http://schemas.microsoft.com/office/powerpoint/2010/main" val="516328450"/>
+        <p14:creationId xmlns:p14="http://schemas.microsoft.com/office/powerpoint/2010/main" val="1042164284"/>
       </p:ext>
     </p:extLst>
   </p:cSld>
@@ -6163,7 +4846,7 @@
             </a:r>
             <a:r>
               <a:rPr lang="zh-TW" altLang="en-US"/>
-              <a:t>桃高資訊社</a:t>
+              <a:t> 桃高資訊社</a:t>
             </a:r>
           </a:p>
         </p:txBody>
@@ -6300,276 +4983,10 @@
           </a:p>
         </p:txBody>
       </p:sp>
-      <p:sp>
-        <p:nvSpPr>
-          <p:cNvPr id="7" name="頁尾版面配置區 4">
-            <a:extLst>
-              <a:ext uri="{FF2B5EF4-FFF2-40B4-BE49-F238E27FC236}">
-                <a16:creationId xmlns:a16="http://schemas.microsoft.com/office/drawing/2014/main" id="{5C61AB5E-1760-475F-A1B8-061721352C76}"/>
-              </a:ext>
-            </a:extLst>
-          </p:cNvPr>
-          <p:cNvSpPr txBox="1">
-            <a:spLocks/>
-          </p:cNvSpPr>
-          <p:nvPr/>
-        </p:nvSpPr>
-        <p:spPr>
-          <a:xfrm>
-            <a:off x="0" y="6492875"/>
-            <a:ext cx="2743200" cy="365125"/>
-          </a:xfrm>
-          <a:prstGeom prst="rect">
-            <a:avLst/>
-          </a:prstGeom>
-        </p:spPr>
-        <p:txBody>
-          <a:bodyPr vert="horz" lIns="91440" tIns="45720" rIns="91440" bIns="45720" rtlCol="0" anchor="ctr"/>
-          <a:lstStyle>
-            <a:defPPr>
-              <a:defRPr lang="zh-TW"/>
-            </a:defPPr>
-            <a:lvl1pPr marL="0" algn="l" defTabSz="914400" rtl="0" eaLnBrk="1" latinLnBrk="0" hangingPunct="1">
-              <a:defRPr sz="1200" kern="1200">
-                <a:solidFill>
-                  <a:schemeClr val="tx1">
-                    <a:tint val="75000"/>
-                  </a:schemeClr>
-                </a:solidFill>
-                <a:latin typeface="+mn-lt"/>
-                <a:ea typeface="+mn-ea"/>
-                <a:cs typeface="+mn-cs"/>
-              </a:defRPr>
-            </a:lvl1pPr>
-            <a:lvl2pPr marL="457200" algn="l" defTabSz="914400" rtl="0" eaLnBrk="1" latinLnBrk="0" hangingPunct="1">
-              <a:defRPr sz="1800" kern="1200">
-                <a:solidFill>
-                  <a:schemeClr val="tx1"/>
-                </a:solidFill>
-                <a:latin typeface="+mn-lt"/>
-                <a:ea typeface="+mn-ea"/>
-                <a:cs typeface="+mn-cs"/>
-              </a:defRPr>
-            </a:lvl2pPr>
-            <a:lvl3pPr marL="914400" algn="l" defTabSz="914400" rtl="0" eaLnBrk="1" latinLnBrk="0" hangingPunct="1">
-              <a:defRPr sz="1800" kern="1200">
-                <a:solidFill>
-                  <a:schemeClr val="tx1"/>
-                </a:solidFill>
-                <a:latin typeface="+mn-lt"/>
-                <a:ea typeface="+mn-ea"/>
-                <a:cs typeface="+mn-cs"/>
-              </a:defRPr>
-            </a:lvl3pPr>
-            <a:lvl4pPr marL="1371600" algn="l" defTabSz="914400" rtl="0" eaLnBrk="1" latinLnBrk="0" hangingPunct="1">
-              <a:defRPr sz="1800" kern="1200">
-                <a:solidFill>
-                  <a:schemeClr val="tx1"/>
-                </a:solidFill>
-                <a:latin typeface="+mn-lt"/>
-                <a:ea typeface="+mn-ea"/>
-                <a:cs typeface="+mn-cs"/>
-              </a:defRPr>
-            </a:lvl4pPr>
-            <a:lvl5pPr marL="1828800" algn="l" defTabSz="914400" rtl="0" eaLnBrk="1" latinLnBrk="0" hangingPunct="1">
-              <a:defRPr sz="1800" kern="1200">
-                <a:solidFill>
-                  <a:schemeClr val="tx1"/>
-                </a:solidFill>
-                <a:latin typeface="+mn-lt"/>
-                <a:ea typeface="+mn-ea"/>
-                <a:cs typeface="+mn-cs"/>
-              </a:defRPr>
-            </a:lvl5pPr>
-            <a:lvl6pPr marL="2286000" algn="l" defTabSz="914400" rtl="0" eaLnBrk="1" latinLnBrk="0" hangingPunct="1">
-              <a:defRPr sz="1800" kern="1200">
-                <a:solidFill>
-                  <a:schemeClr val="tx1"/>
-                </a:solidFill>
-                <a:latin typeface="+mn-lt"/>
-                <a:ea typeface="+mn-ea"/>
-                <a:cs typeface="+mn-cs"/>
-              </a:defRPr>
-            </a:lvl6pPr>
-            <a:lvl7pPr marL="2743200" algn="l" defTabSz="914400" rtl="0" eaLnBrk="1" latinLnBrk="0" hangingPunct="1">
-              <a:defRPr sz="1800" kern="1200">
-                <a:solidFill>
-                  <a:schemeClr val="tx1"/>
-                </a:solidFill>
-                <a:latin typeface="+mn-lt"/>
-                <a:ea typeface="+mn-ea"/>
-                <a:cs typeface="+mn-cs"/>
-              </a:defRPr>
-            </a:lvl7pPr>
-            <a:lvl8pPr marL="3200400" algn="l" defTabSz="914400" rtl="0" eaLnBrk="1" latinLnBrk="0" hangingPunct="1">
-              <a:defRPr sz="1800" kern="1200">
-                <a:solidFill>
-                  <a:schemeClr val="tx1"/>
-                </a:solidFill>
-                <a:latin typeface="+mn-lt"/>
-                <a:ea typeface="+mn-ea"/>
-                <a:cs typeface="+mn-cs"/>
-              </a:defRPr>
-            </a:lvl8pPr>
-            <a:lvl9pPr marL="3657600" algn="l" defTabSz="914400" rtl="0" eaLnBrk="1" latinLnBrk="0" hangingPunct="1">
-              <a:defRPr sz="1800" kern="1200">
-                <a:solidFill>
-                  <a:schemeClr val="tx1"/>
-                </a:solidFill>
-                <a:latin typeface="+mn-lt"/>
-                <a:ea typeface="+mn-ea"/>
-                <a:cs typeface="+mn-cs"/>
-              </a:defRPr>
-            </a:lvl9pPr>
-          </a:lstStyle>
-          <a:p>
-            <a:r>
-              <a:rPr lang="en-US" altLang="zh-TW" dirty="0"/>
-              <a:t>TYIC</a:t>
-            </a:r>
-            <a:r>
-              <a:rPr lang="zh-TW" altLang="en-US"/>
-              <a:t>桃高資訊社</a:t>
-            </a:r>
-          </a:p>
-        </p:txBody>
-      </p:sp>
-      <p:sp>
-        <p:nvSpPr>
-          <p:cNvPr id="10" name="投影片編號版面配置區 5">
-            <a:extLst>
-              <a:ext uri="{FF2B5EF4-FFF2-40B4-BE49-F238E27FC236}">
-                <a16:creationId xmlns:a16="http://schemas.microsoft.com/office/drawing/2014/main" id="{9E366190-11AD-4701-810E-B13A72A655B0}"/>
-              </a:ext>
-            </a:extLst>
-          </p:cNvPr>
-          <p:cNvSpPr txBox="1">
-            <a:spLocks/>
-          </p:cNvSpPr>
-          <p:nvPr/>
-        </p:nvSpPr>
-        <p:spPr>
-          <a:xfrm>
-            <a:off x="9448800" y="6492874"/>
-            <a:ext cx="2743200" cy="365125"/>
-          </a:xfrm>
-          <a:prstGeom prst="rect">
-            <a:avLst/>
-          </a:prstGeom>
-        </p:spPr>
-        <p:txBody>
-          <a:bodyPr vert="horz" lIns="91440" tIns="45720" rIns="91440" bIns="45720" rtlCol="0" anchor="ctr"/>
-          <a:lstStyle>
-            <a:defPPr>
-              <a:defRPr lang="zh-TW"/>
-            </a:defPPr>
-            <a:lvl1pPr marL="0" algn="r" defTabSz="914400" rtl="0" eaLnBrk="1" latinLnBrk="0" hangingPunct="1">
-              <a:defRPr sz="1200" kern="1200">
-                <a:solidFill>
-                  <a:schemeClr val="tx1">
-                    <a:tint val="75000"/>
-                  </a:schemeClr>
-                </a:solidFill>
-                <a:latin typeface="+mn-lt"/>
-                <a:ea typeface="+mn-ea"/>
-                <a:cs typeface="+mn-cs"/>
-              </a:defRPr>
-            </a:lvl1pPr>
-            <a:lvl2pPr marL="457200" algn="l" defTabSz="914400" rtl="0" eaLnBrk="1" latinLnBrk="0" hangingPunct="1">
-              <a:defRPr sz="1800" kern="1200">
-                <a:solidFill>
-                  <a:schemeClr val="tx1"/>
-                </a:solidFill>
-                <a:latin typeface="+mn-lt"/>
-                <a:ea typeface="+mn-ea"/>
-                <a:cs typeface="+mn-cs"/>
-              </a:defRPr>
-            </a:lvl2pPr>
-            <a:lvl3pPr marL="914400" algn="l" defTabSz="914400" rtl="0" eaLnBrk="1" latinLnBrk="0" hangingPunct="1">
-              <a:defRPr sz="1800" kern="1200">
-                <a:solidFill>
-                  <a:schemeClr val="tx1"/>
-                </a:solidFill>
-                <a:latin typeface="+mn-lt"/>
-                <a:ea typeface="+mn-ea"/>
-                <a:cs typeface="+mn-cs"/>
-              </a:defRPr>
-            </a:lvl3pPr>
-            <a:lvl4pPr marL="1371600" algn="l" defTabSz="914400" rtl="0" eaLnBrk="1" latinLnBrk="0" hangingPunct="1">
-              <a:defRPr sz="1800" kern="1200">
-                <a:solidFill>
-                  <a:schemeClr val="tx1"/>
-                </a:solidFill>
-                <a:latin typeface="+mn-lt"/>
-                <a:ea typeface="+mn-ea"/>
-                <a:cs typeface="+mn-cs"/>
-              </a:defRPr>
-            </a:lvl4pPr>
-            <a:lvl5pPr marL="1828800" algn="l" defTabSz="914400" rtl="0" eaLnBrk="1" latinLnBrk="0" hangingPunct="1">
-              <a:defRPr sz="1800" kern="1200">
-                <a:solidFill>
-                  <a:schemeClr val="tx1"/>
-                </a:solidFill>
-                <a:latin typeface="+mn-lt"/>
-                <a:ea typeface="+mn-ea"/>
-                <a:cs typeface="+mn-cs"/>
-              </a:defRPr>
-            </a:lvl5pPr>
-            <a:lvl6pPr marL="2286000" algn="l" defTabSz="914400" rtl="0" eaLnBrk="1" latinLnBrk="0" hangingPunct="1">
-              <a:defRPr sz="1800" kern="1200">
-                <a:solidFill>
-                  <a:schemeClr val="tx1"/>
-                </a:solidFill>
-                <a:latin typeface="+mn-lt"/>
-                <a:ea typeface="+mn-ea"/>
-                <a:cs typeface="+mn-cs"/>
-              </a:defRPr>
-            </a:lvl6pPr>
-            <a:lvl7pPr marL="2743200" algn="l" defTabSz="914400" rtl="0" eaLnBrk="1" latinLnBrk="0" hangingPunct="1">
-              <a:defRPr sz="1800" kern="1200">
-                <a:solidFill>
-                  <a:schemeClr val="tx1"/>
-                </a:solidFill>
-                <a:latin typeface="+mn-lt"/>
-                <a:ea typeface="+mn-ea"/>
-                <a:cs typeface="+mn-cs"/>
-              </a:defRPr>
-            </a:lvl7pPr>
-            <a:lvl8pPr marL="3200400" algn="l" defTabSz="914400" rtl="0" eaLnBrk="1" latinLnBrk="0" hangingPunct="1">
-              <a:defRPr sz="1800" kern="1200">
-                <a:solidFill>
-                  <a:schemeClr val="tx1"/>
-                </a:solidFill>
-                <a:latin typeface="+mn-lt"/>
-                <a:ea typeface="+mn-ea"/>
-                <a:cs typeface="+mn-cs"/>
-              </a:defRPr>
-            </a:lvl8pPr>
-            <a:lvl9pPr marL="3657600" algn="l" defTabSz="914400" rtl="0" eaLnBrk="1" latinLnBrk="0" hangingPunct="1">
-              <a:defRPr sz="1800" kern="1200">
-                <a:solidFill>
-                  <a:schemeClr val="tx1"/>
-                </a:solidFill>
-                <a:latin typeface="+mn-lt"/>
-                <a:ea typeface="+mn-ea"/>
-                <a:cs typeface="+mn-cs"/>
-              </a:defRPr>
-            </a:lvl9pPr>
-          </a:lstStyle>
-          <a:p>
-            <a:fld id="{D4328D90-2A6F-4F23-88A8-C5DCC2B5F307}" type="slidenum">
-              <a:rPr lang="zh-TW" altLang="en-US" smtClean="0"/>
-              <a:pPr/>
-              <a:t>‹#›</a:t>
-            </a:fld>
-            <a:endParaRPr lang="zh-TW" altLang="en-US"/>
-          </a:p>
-        </p:txBody>
-      </p:sp>
     </p:spTree>
     <p:extLst>
       <p:ext uri="{BB962C8B-B14F-4D97-AF65-F5344CB8AC3E}">
-        <p14:creationId xmlns:p14="http://schemas.microsoft.com/office/powerpoint/2010/main" val="3283348728"/>
+        <p14:creationId xmlns:p14="http://schemas.microsoft.com/office/powerpoint/2010/main" val="4268787664"/>
       </p:ext>
     </p:extLst>
   </p:cSld>
@@ -6906,7 +5323,7 @@
             </a:r>
             <a:r>
               <a:rPr lang="zh-TW" altLang="en-US"/>
-              <a:t>桃高資訊社</a:t>
+              <a:t> 桃高資訊社</a:t>
             </a:r>
           </a:p>
         </p:txBody>
@@ -7043,276 +5460,10 @@
           </a:p>
         </p:txBody>
       </p:sp>
-      <p:sp>
-        <p:nvSpPr>
-          <p:cNvPr id="7" name="頁尾版面配置區 4">
-            <a:extLst>
-              <a:ext uri="{FF2B5EF4-FFF2-40B4-BE49-F238E27FC236}">
-                <a16:creationId xmlns:a16="http://schemas.microsoft.com/office/drawing/2014/main" id="{98EB7A71-ECA5-4881-9036-A2C34C4BD790}"/>
-              </a:ext>
-            </a:extLst>
-          </p:cNvPr>
-          <p:cNvSpPr txBox="1">
-            <a:spLocks/>
-          </p:cNvSpPr>
-          <p:nvPr/>
-        </p:nvSpPr>
-        <p:spPr>
-          <a:xfrm>
-            <a:off x="0" y="6492875"/>
-            <a:ext cx="2743200" cy="365125"/>
-          </a:xfrm>
-          <a:prstGeom prst="rect">
-            <a:avLst/>
-          </a:prstGeom>
-        </p:spPr>
-        <p:txBody>
-          <a:bodyPr vert="horz" lIns="91440" tIns="45720" rIns="91440" bIns="45720" rtlCol="0" anchor="ctr"/>
-          <a:lstStyle>
-            <a:defPPr>
-              <a:defRPr lang="zh-TW"/>
-            </a:defPPr>
-            <a:lvl1pPr marL="0" algn="l" defTabSz="914400" rtl="0" eaLnBrk="1" latinLnBrk="0" hangingPunct="1">
-              <a:defRPr sz="1200" kern="1200">
-                <a:solidFill>
-                  <a:schemeClr val="tx1">
-                    <a:tint val="75000"/>
-                  </a:schemeClr>
-                </a:solidFill>
-                <a:latin typeface="+mn-lt"/>
-                <a:ea typeface="+mn-ea"/>
-                <a:cs typeface="+mn-cs"/>
-              </a:defRPr>
-            </a:lvl1pPr>
-            <a:lvl2pPr marL="457200" algn="l" defTabSz="914400" rtl="0" eaLnBrk="1" latinLnBrk="0" hangingPunct="1">
-              <a:defRPr sz="1800" kern="1200">
-                <a:solidFill>
-                  <a:schemeClr val="tx1"/>
-                </a:solidFill>
-                <a:latin typeface="+mn-lt"/>
-                <a:ea typeface="+mn-ea"/>
-                <a:cs typeface="+mn-cs"/>
-              </a:defRPr>
-            </a:lvl2pPr>
-            <a:lvl3pPr marL="914400" algn="l" defTabSz="914400" rtl="0" eaLnBrk="1" latinLnBrk="0" hangingPunct="1">
-              <a:defRPr sz="1800" kern="1200">
-                <a:solidFill>
-                  <a:schemeClr val="tx1"/>
-                </a:solidFill>
-                <a:latin typeface="+mn-lt"/>
-                <a:ea typeface="+mn-ea"/>
-                <a:cs typeface="+mn-cs"/>
-              </a:defRPr>
-            </a:lvl3pPr>
-            <a:lvl4pPr marL="1371600" algn="l" defTabSz="914400" rtl="0" eaLnBrk="1" latinLnBrk="0" hangingPunct="1">
-              <a:defRPr sz="1800" kern="1200">
-                <a:solidFill>
-                  <a:schemeClr val="tx1"/>
-                </a:solidFill>
-                <a:latin typeface="+mn-lt"/>
-                <a:ea typeface="+mn-ea"/>
-                <a:cs typeface="+mn-cs"/>
-              </a:defRPr>
-            </a:lvl4pPr>
-            <a:lvl5pPr marL="1828800" algn="l" defTabSz="914400" rtl="0" eaLnBrk="1" latinLnBrk="0" hangingPunct="1">
-              <a:defRPr sz="1800" kern="1200">
-                <a:solidFill>
-                  <a:schemeClr val="tx1"/>
-                </a:solidFill>
-                <a:latin typeface="+mn-lt"/>
-                <a:ea typeface="+mn-ea"/>
-                <a:cs typeface="+mn-cs"/>
-              </a:defRPr>
-            </a:lvl5pPr>
-            <a:lvl6pPr marL="2286000" algn="l" defTabSz="914400" rtl="0" eaLnBrk="1" latinLnBrk="0" hangingPunct="1">
-              <a:defRPr sz="1800" kern="1200">
-                <a:solidFill>
-                  <a:schemeClr val="tx1"/>
-                </a:solidFill>
-                <a:latin typeface="+mn-lt"/>
-                <a:ea typeface="+mn-ea"/>
-                <a:cs typeface="+mn-cs"/>
-              </a:defRPr>
-            </a:lvl6pPr>
-            <a:lvl7pPr marL="2743200" algn="l" defTabSz="914400" rtl="0" eaLnBrk="1" latinLnBrk="0" hangingPunct="1">
-              <a:defRPr sz="1800" kern="1200">
-                <a:solidFill>
-                  <a:schemeClr val="tx1"/>
-                </a:solidFill>
-                <a:latin typeface="+mn-lt"/>
-                <a:ea typeface="+mn-ea"/>
-                <a:cs typeface="+mn-cs"/>
-              </a:defRPr>
-            </a:lvl7pPr>
-            <a:lvl8pPr marL="3200400" algn="l" defTabSz="914400" rtl="0" eaLnBrk="1" latinLnBrk="0" hangingPunct="1">
-              <a:defRPr sz="1800" kern="1200">
-                <a:solidFill>
-                  <a:schemeClr val="tx1"/>
-                </a:solidFill>
-                <a:latin typeface="+mn-lt"/>
-                <a:ea typeface="+mn-ea"/>
-                <a:cs typeface="+mn-cs"/>
-              </a:defRPr>
-            </a:lvl8pPr>
-            <a:lvl9pPr marL="3657600" algn="l" defTabSz="914400" rtl="0" eaLnBrk="1" latinLnBrk="0" hangingPunct="1">
-              <a:defRPr sz="1800" kern="1200">
-                <a:solidFill>
-                  <a:schemeClr val="tx1"/>
-                </a:solidFill>
-                <a:latin typeface="+mn-lt"/>
-                <a:ea typeface="+mn-ea"/>
-                <a:cs typeface="+mn-cs"/>
-              </a:defRPr>
-            </a:lvl9pPr>
-          </a:lstStyle>
-          <a:p>
-            <a:r>
-              <a:rPr lang="en-US" altLang="zh-TW" dirty="0"/>
-              <a:t>TYIC</a:t>
-            </a:r>
-            <a:r>
-              <a:rPr lang="zh-TW" altLang="en-US"/>
-              <a:t>桃高資訊社</a:t>
-            </a:r>
-          </a:p>
-        </p:txBody>
-      </p:sp>
-      <p:sp>
-        <p:nvSpPr>
-          <p:cNvPr id="10" name="投影片編號版面配置區 5">
-            <a:extLst>
-              <a:ext uri="{FF2B5EF4-FFF2-40B4-BE49-F238E27FC236}">
-                <a16:creationId xmlns:a16="http://schemas.microsoft.com/office/drawing/2014/main" id="{99F2AF6F-1679-4208-AC9D-B2480349397D}"/>
-              </a:ext>
-            </a:extLst>
-          </p:cNvPr>
-          <p:cNvSpPr txBox="1">
-            <a:spLocks/>
-          </p:cNvSpPr>
-          <p:nvPr/>
-        </p:nvSpPr>
-        <p:spPr>
-          <a:xfrm>
-            <a:off x="9448800" y="6492874"/>
-            <a:ext cx="2743200" cy="365125"/>
-          </a:xfrm>
-          <a:prstGeom prst="rect">
-            <a:avLst/>
-          </a:prstGeom>
-        </p:spPr>
-        <p:txBody>
-          <a:bodyPr vert="horz" lIns="91440" tIns="45720" rIns="91440" bIns="45720" rtlCol="0" anchor="ctr"/>
-          <a:lstStyle>
-            <a:defPPr>
-              <a:defRPr lang="zh-TW"/>
-            </a:defPPr>
-            <a:lvl1pPr marL="0" algn="r" defTabSz="914400" rtl="0" eaLnBrk="1" latinLnBrk="0" hangingPunct="1">
-              <a:defRPr sz="1200" kern="1200">
-                <a:solidFill>
-                  <a:schemeClr val="tx1">
-                    <a:tint val="75000"/>
-                  </a:schemeClr>
-                </a:solidFill>
-                <a:latin typeface="+mn-lt"/>
-                <a:ea typeface="+mn-ea"/>
-                <a:cs typeface="+mn-cs"/>
-              </a:defRPr>
-            </a:lvl1pPr>
-            <a:lvl2pPr marL="457200" algn="l" defTabSz="914400" rtl="0" eaLnBrk="1" latinLnBrk="0" hangingPunct="1">
-              <a:defRPr sz="1800" kern="1200">
-                <a:solidFill>
-                  <a:schemeClr val="tx1"/>
-                </a:solidFill>
-                <a:latin typeface="+mn-lt"/>
-                <a:ea typeface="+mn-ea"/>
-                <a:cs typeface="+mn-cs"/>
-              </a:defRPr>
-            </a:lvl2pPr>
-            <a:lvl3pPr marL="914400" algn="l" defTabSz="914400" rtl="0" eaLnBrk="1" latinLnBrk="0" hangingPunct="1">
-              <a:defRPr sz="1800" kern="1200">
-                <a:solidFill>
-                  <a:schemeClr val="tx1"/>
-                </a:solidFill>
-                <a:latin typeface="+mn-lt"/>
-                <a:ea typeface="+mn-ea"/>
-                <a:cs typeface="+mn-cs"/>
-              </a:defRPr>
-            </a:lvl3pPr>
-            <a:lvl4pPr marL="1371600" algn="l" defTabSz="914400" rtl="0" eaLnBrk="1" latinLnBrk="0" hangingPunct="1">
-              <a:defRPr sz="1800" kern="1200">
-                <a:solidFill>
-                  <a:schemeClr val="tx1"/>
-                </a:solidFill>
-                <a:latin typeface="+mn-lt"/>
-                <a:ea typeface="+mn-ea"/>
-                <a:cs typeface="+mn-cs"/>
-              </a:defRPr>
-            </a:lvl4pPr>
-            <a:lvl5pPr marL="1828800" algn="l" defTabSz="914400" rtl="0" eaLnBrk="1" latinLnBrk="0" hangingPunct="1">
-              <a:defRPr sz="1800" kern="1200">
-                <a:solidFill>
-                  <a:schemeClr val="tx1"/>
-                </a:solidFill>
-                <a:latin typeface="+mn-lt"/>
-                <a:ea typeface="+mn-ea"/>
-                <a:cs typeface="+mn-cs"/>
-              </a:defRPr>
-            </a:lvl5pPr>
-            <a:lvl6pPr marL="2286000" algn="l" defTabSz="914400" rtl="0" eaLnBrk="1" latinLnBrk="0" hangingPunct="1">
-              <a:defRPr sz="1800" kern="1200">
-                <a:solidFill>
-                  <a:schemeClr val="tx1"/>
-                </a:solidFill>
-                <a:latin typeface="+mn-lt"/>
-                <a:ea typeface="+mn-ea"/>
-                <a:cs typeface="+mn-cs"/>
-              </a:defRPr>
-            </a:lvl6pPr>
-            <a:lvl7pPr marL="2743200" algn="l" defTabSz="914400" rtl="0" eaLnBrk="1" latinLnBrk="0" hangingPunct="1">
-              <a:defRPr sz="1800" kern="1200">
-                <a:solidFill>
-                  <a:schemeClr val="tx1"/>
-                </a:solidFill>
-                <a:latin typeface="+mn-lt"/>
-                <a:ea typeface="+mn-ea"/>
-                <a:cs typeface="+mn-cs"/>
-              </a:defRPr>
-            </a:lvl7pPr>
-            <a:lvl8pPr marL="3200400" algn="l" defTabSz="914400" rtl="0" eaLnBrk="1" latinLnBrk="0" hangingPunct="1">
-              <a:defRPr sz="1800" kern="1200">
-                <a:solidFill>
-                  <a:schemeClr val="tx1"/>
-                </a:solidFill>
-                <a:latin typeface="+mn-lt"/>
-                <a:ea typeface="+mn-ea"/>
-                <a:cs typeface="+mn-cs"/>
-              </a:defRPr>
-            </a:lvl8pPr>
-            <a:lvl9pPr marL="3657600" algn="l" defTabSz="914400" rtl="0" eaLnBrk="1" latinLnBrk="0" hangingPunct="1">
-              <a:defRPr sz="1800" kern="1200">
-                <a:solidFill>
-                  <a:schemeClr val="tx1"/>
-                </a:solidFill>
-                <a:latin typeface="+mn-lt"/>
-                <a:ea typeface="+mn-ea"/>
-                <a:cs typeface="+mn-cs"/>
-              </a:defRPr>
-            </a:lvl9pPr>
-          </a:lstStyle>
-          <a:p>
-            <a:fld id="{D4328D90-2A6F-4F23-88A8-C5DCC2B5F307}" type="slidenum">
-              <a:rPr lang="zh-TW" altLang="en-US" smtClean="0"/>
-              <a:pPr/>
-              <a:t>‹#›</a:t>
-            </a:fld>
-            <a:endParaRPr lang="zh-TW" altLang="en-US"/>
-          </a:p>
-        </p:txBody>
-      </p:sp>
     </p:spTree>
     <p:extLst>
       <p:ext uri="{BB962C8B-B14F-4D97-AF65-F5344CB8AC3E}">
-        <p14:creationId xmlns:p14="http://schemas.microsoft.com/office/powerpoint/2010/main" val="3998268275"/>
+        <p14:creationId xmlns:p14="http://schemas.microsoft.com/office/powerpoint/2010/main" val="2756256715"/>
       </p:ext>
     </p:extLst>
   </p:cSld>
@@ -7545,28 +5696,29 @@
     </p:spTree>
     <p:extLst>
       <p:ext uri="{BB962C8B-B14F-4D97-AF65-F5344CB8AC3E}">
-        <p14:creationId xmlns:p14="http://schemas.microsoft.com/office/powerpoint/2010/main" val="4023703089"/>
+        <p14:creationId xmlns:p14="http://schemas.microsoft.com/office/powerpoint/2010/main" val="725383843"/>
       </p:ext>
     </p:extLst>
   </p:cSld>
   <p:clrMap bg1="dk1" tx1="lt1" bg2="dk2" tx2="lt2" accent1="accent1" accent2="accent2" accent3="accent3" accent4="accent4" accent5="accent5" accent6="accent6" hlink="hlink" folHlink="folHlink"/>
   <p:sldLayoutIdLst>
-    <p:sldLayoutId id="2147483661" r:id="rId1"/>
-    <p:sldLayoutId id="2147483662" r:id="rId2"/>
-    <p:sldLayoutId id="2147483663" r:id="rId3"/>
-    <p:sldLayoutId id="2147483664" r:id="rId4"/>
-    <p:sldLayoutId id="2147483665" r:id="rId5"/>
-    <p:sldLayoutId id="2147483666" r:id="rId6"/>
-    <p:sldLayoutId id="2147483667" r:id="rId7"/>
-    <p:sldLayoutId id="2147483668" r:id="rId8"/>
-    <p:sldLayoutId id="2147483669" r:id="rId9"/>
-    <p:sldLayoutId id="2147483670" r:id="rId10"/>
-    <p:sldLayoutId id="2147483671" r:id="rId11"/>
-    <p:sldLayoutId id="2147483672" r:id="rId12"/>
+    <p:sldLayoutId id="2147483737" r:id="rId1"/>
+    <p:sldLayoutId id="2147483738" r:id="rId2"/>
+    <p:sldLayoutId id="2147483739" r:id="rId3"/>
+    <p:sldLayoutId id="2147483740" r:id="rId4"/>
+    <p:sldLayoutId id="2147483741" r:id="rId5"/>
+    <p:sldLayoutId id="2147483742" r:id="rId6"/>
+    <p:sldLayoutId id="2147483743" r:id="rId7"/>
+    <p:sldLayoutId id="2147483744" r:id="rId8"/>
+    <p:sldLayoutId id="2147483745" r:id="rId9"/>
+    <p:sldLayoutId id="2147483746" r:id="rId10"/>
+    <p:sldLayoutId id="2147483747" r:id="rId11"/>
+    <p:sldLayoutId id="2147483748" r:id="rId12"/>
   </p:sldLayoutIdLst>
   <p:transition spd="slow">
     <p:push dir="u"/>
   </p:transition>
+  <p:hf sldNum="0" hdr="0" ftr="0" dt="0"/>
   <p:txStyles>
     <p:titleStyle>
       <a:lvl1pPr algn="ctr" defTabSz="914400" rtl="0" eaLnBrk="1" latinLnBrk="0" hangingPunct="1">
@@ -7922,7 +6074,7 @@
             </a:r>
             <a:r>
               <a:rPr lang="zh-TW" altLang="en-US"/>
-              <a:t>桃高資訊社</a:t>
+              <a:t> 桃高資訊社</a:t>
             </a:r>
           </a:p>
         </p:txBody>
@@ -8247,7 +6399,597 @@
   <a:extraClrSchemeLst/>
   <a:extLst>
     <a:ext uri="{05A4C25C-085E-4340-85A3-A5531E510DB2}">
-      <thm15:themeFamily xmlns:thm15="http://schemas.microsoft.com/office/thememl/2012/main" name="TYIC" id="{E2D9765B-27E6-4F7D-BDAB-2CD480706C35}" vid="{D1D4527B-6C29-4E80-850E-305C16F473BE}"/>
+      <thm15:themeFamily xmlns:thm15="http://schemas.microsoft.com/office/thememl/2012/main" name="TYIC" id="{9EF84239-98DD-47C7-9670-9A8E11832DF8}" vid="{53C94661-BF81-402B-98E3-49232B063EDD}"/>
+    </a:ext>
+  </a:extLst>
+</a:theme>
+</file>
+
+<file path=ppt/theme/theme2.xml><?xml version="1.0" encoding="utf-8"?>
+<a:theme xmlns:a="http://schemas.openxmlformats.org/drawingml/2006/main" name="Office 佈景主題">
+  <a:themeElements>
+    <a:clrScheme name="Office">
+      <a:dk1>
+        <a:sysClr val="windowText" lastClr="000000"/>
+      </a:dk1>
+      <a:lt1>
+        <a:sysClr val="window" lastClr="FFFFFF"/>
+      </a:lt1>
+      <a:dk2>
+        <a:srgbClr val="44546A"/>
+      </a:dk2>
+      <a:lt2>
+        <a:srgbClr val="E7E6E6"/>
+      </a:lt2>
+      <a:accent1>
+        <a:srgbClr val="4472C4"/>
+      </a:accent1>
+      <a:accent2>
+        <a:srgbClr val="ED7D31"/>
+      </a:accent2>
+      <a:accent3>
+        <a:srgbClr val="A5A5A5"/>
+      </a:accent3>
+      <a:accent4>
+        <a:srgbClr val="FFC000"/>
+      </a:accent4>
+      <a:accent5>
+        <a:srgbClr val="5B9BD5"/>
+      </a:accent5>
+      <a:accent6>
+        <a:srgbClr val="70AD47"/>
+      </a:accent6>
+      <a:hlink>
+        <a:srgbClr val="0563C1"/>
+      </a:hlink>
+      <a:folHlink>
+        <a:srgbClr val="954F72"/>
+      </a:folHlink>
+    </a:clrScheme>
+    <a:fontScheme name="Office">
+      <a:majorFont>
+        <a:latin typeface="Calibri Light" panose="020F0302020204030204"/>
+        <a:ea typeface=""/>
+        <a:cs typeface=""/>
+        <a:font script="Jpan" typeface="游ゴシック Light"/>
+        <a:font script="Hang" typeface="맑은 고딕"/>
+        <a:font script="Hans" typeface="等线 Light"/>
+        <a:font script="Hant" typeface="新細明體"/>
+        <a:font script="Arab" typeface="Times New Roman"/>
+        <a:font script="Hebr" typeface="Times New Roman"/>
+        <a:font script="Thai" typeface="Angsana New"/>
+        <a:font script="Ethi" typeface="Nyala"/>
+        <a:font script="Beng" typeface="Vrinda"/>
+        <a:font script="Gujr" typeface="Shruti"/>
+        <a:font script="Khmr" typeface="MoolBoran"/>
+        <a:font script="Knda" typeface="Tunga"/>
+        <a:font script="Guru" typeface="Raavi"/>
+        <a:font script="Cans" typeface="Euphemia"/>
+        <a:font script="Cher" typeface="Plantagenet Cherokee"/>
+        <a:font script="Yiii" typeface="Microsoft Yi Baiti"/>
+        <a:font script="Tibt" typeface="Microsoft Himalaya"/>
+        <a:font script="Thaa" typeface="MV Boli"/>
+        <a:font script="Deva" typeface="Mangal"/>
+        <a:font script="Telu" typeface="Gautami"/>
+        <a:font script="Taml" typeface="Latha"/>
+        <a:font script="Syrc" typeface="Estrangelo Edessa"/>
+        <a:font script="Orya" typeface="Kalinga"/>
+        <a:font script="Mlym" typeface="Kartika"/>
+        <a:font script="Laoo" typeface="DokChampa"/>
+        <a:font script="Sinh" typeface="Iskoola Pota"/>
+        <a:font script="Mong" typeface="Mongolian Baiti"/>
+        <a:font script="Viet" typeface="Times New Roman"/>
+        <a:font script="Uigh" typeface="Microsoft Uighur"/>
+        <a:font script="Geor" typeface="Sylfaen"/>
+        <a:font script="Armn" typeface="Arial"/>
+        <a:font script="Bugi" typeface="Leelawadee UI"/>
+        <a:font script="Bopo" typeface="Microsoft JhengHei"/>
+        <a:font script="Java" typeface="Javanese Text"/>
+        <a:font script="Lisu" typeface="Segoe UI"/>
+        <a:font script="Mymr" typeface="Myanmar Text"/>
+        <a:font script="Nkoo" typeface="Ebrima"/>
+        <a:font script="Olck" typeface="Nirmala UI"/>
+        <a:font script="Osma" typeface="Ebrima"/>
+        <a:font script="Phag" typeface="Phagspa"/>
+        <a:font script="Syrn" typeface="Estrangelo Edessa"/>
+        <a:font script="Syrj" typeface="Estrangelo Edessa"/>
+        <a:font script="Syre" typeface="Estrangelo Edessa"/>
+        <a:font script="Sora" typeface="Nirmala UI"/>
+        <a:font script="Tale" typeface="Microsoft Tai Le"/>
+        <a:font script="Talu" typeface="Microsoft New Tai Lue"/>
+        <a:font script="Tfng" typeface="Ebrima"/>
+      </a:majorFont>
+      <a:minorFont>
+        <a:latin typeface="Calibri" panose="020F0502020204030204"/>
+        <a:ea typeface=""/>
+        <a:cs typeface=""/>
+        <a:font script="Jpan" typeface="游ゴシック"/>
+        <a:font script="Hang" typeface="맑은 고딕"/>
+        <a:font script="Hans" typeface="等线"/>
+        <a:font script="Hant" typeface="新細明體"/>
+        <a:font script="Arab" typeface="Arial"/>
+        <a:font script="Hebr" typeface="Arial"/>
+        <a:font script="Thai" typeface="Cordia New"/>
+        <a:font script="Ethi" typeface="Nyala"/>
+        <a:font script="Beng" typeface="Vrinda"/>
+        <a:font script="Gujr" typeface="Shruti"/>
+        <a:font script="Khmr" typeface="DaunPenh"/>
+        <a:font script="Knda" typeface="Tunga"/>
+        <a:font script="Guru" typeface="Raavi"/>
+        <a:font script="Cans" typeface="Euphemia"/>
+        <a:font script="Cher" typeface="Plantagenet Cherokee"/>
+        <a:font script="Yiii" typeface="Microsoft Yi Baiti"/>
+        <a:font script="Tibt" typeface="Microsoft Himalaya"/>
+        <a:font script="Thaa" typeface="MV Boli"/>
+        <a:font script="Deva" typeface="Mangal"/>
+        <a:font script="Telu" typeface="Gautami"/>
+        <a:font script="Taml" typeface="Latha"/>
+        <a:font script="Syrc" typeface="Estrangelo Edessa"/>
+        <a:font script="Orya" typeface="Kalinga"/>
+        <a:font script="Mlym" typeface="Kartika"/>
+        <a:font script="Laoo" typeface="DokChampa"/>
+        <a:font script="Sinh" typeface="Iskoola Pota"/>
+        <a:font script="Mong" typeface="Mongolian Baiti"/>
+        <a:font script="Viet" typeface="Arial"/>
+        <a:font script="Uigh" typeface="Microsoft Uighur"/>
+        <a:font script="Geor" typeface="Sylfaen"/>
+        <a:font script="Armn" typeface="Arial"/>
+        <a:font script="Bugi" typeface="Leelawadee UI"/>
+        <a:font script="Bopo" typeface="Microsoft JhengHei"/>
+        <a:font script="Java" typeface="Javanese Text"/>
+        <a:font script="Lisu" typeface="Segoe UI"/>
+        <a:font script="Mymr" typeface="Myanmar Text"/>
+        <a:font script="Nkoo" typeface="Ebrima"/>
+        <a:font script="Olck" typeface="Nirmala UI"/>
+        <a:font script="Osma" typeface="Ebrima"/>
+        <a:font script="Phag" typeface="Phagspa"/>
+        <a:font script="Syrn" typeface="Estrangelo Edessa"/>
+        <a:font script="Syrj" typeface="Estrangelo Edessa"/>
+        <a:font script="Syre" typeface="Estrangelo Edessa"/>
+        <a:font script="Sora" typeface="Nirmala UI"/>
+        <a:font script="Tale" typeface="Microsoft Tai Le"/>
+        <a:font script="Talu" typeface="Microsoft New Tai Lue"/>
+        <a:font script="Tfng" typeface="Ebrima"/>
+      </a:minorFont>
+    </a:fontScheme>
+    <a:fmtScheme name="Office">
+      <a:fillStyleLst>
+        <a:solidFill>
+          <a:schemeClr val="phClr"/>
+        </a:solidFill>
+        <a:gradFill rotWithShape="1">
+          <a:gsLst>
+            <a:gs pos="0">
+              <a:schemeClr val="phClr">
+                <a:lumMod val="110000"/>
+                <a:satMod val="105000"/>
+                <a:tint val="67000"/>
+              </a:schemeClr>
+            </a:gs>
+            <a:gs pos="50000">
+              <a:schemeClr val="phClr">
+                <a:lumMod val="105000"/>
+                <a:satMod val="103000"/>
+                <a:tint val="73000"/>
+              </a:schemeClr>
+            </a:gs>
+            <a:gs pos="100000">
+              <a:schemeClr val="phClr">
+                <a:lumMod val="105000"/>
+                <a:satMod val="109000"/>
+                <a:tint val="81000"/>
+              </a:schemeClr>
+            </a:gs>
+          </a:gsLst>
+          <a:lin ang="5400000" scaled="0"/>
+        </a:gradFill>
+        <a:gradFill rotWithShape="1">
+          <a:gsLst>
+            <a:gs pos="0">
+              <a:schemeClr val="phClr">
+                <a:satMod val="103000"/>
+                <a:lumMod val="102000"/>
+                <a:tint val="94000"/>
+              </a:schemeClr>
+            </a:gs>
+            <a:gs pos="50000">
+              <a:schemeClr val="phClr">
+                <a:satMod val="110000"/>
+                <a:lumMod val="100000"/>
+                <a:shade val="100000"/>
+              </a:schemeClr>
+            </a:gs>
+            <a:gs pos="100000">
+              <a:schemeClr val="phClr">
+                <a:lumMod val="99000"/>
+                <a:satMod val="120000"/>
+                <a:shade val="78000"/>
+              </a:schemeClr>
+            </a:gs>
+          </a:gsLst>
+          <a:lin ang="5400000" scaled="0"/>
+        </a:gradFill>
+      </a:fillStyleLst>
+      <a:lnStyleLst>
+        <a:ln w="6350" cap="flat" cmpd="sng" algn="ctr">
+          <a:solidFill>
+            <a:schemeClr val="phClr"/>
+          </a:solidFill>
+          <a:prstDash val="solid"/>
+          <a:miter lim="800000"/>
+        </a:ln>
+        <a:ln w="12700" cap="flat" cmpd="sng" algn="ctr">
+          <a:solidFill>
+            <a:schemeClr val="phClr"/>
+          </a:solidFill>
+          <a:prstDash val="solid"/>
+          <a:miter lim="800000"/>
+        </a:ln>
+        <a:ln w="19050" cap="flat" cmpd="sng" algn="ctr">
+          <a:solidFill>
+            <a:schemeClr val="phClr"/>
+          </a:solidFill>
+          <a:prstDash val="solid"/>
+          <a:miter lim="800000"/>
+        </a:ln>
+      </a:lnStyleLst>
+      <a:effectStyleLst>
+        <a:effectStyle>
+          <a:effectLst/>
+        </a:effectStyle>
+        <a:effectStyle>
+          <a:effectLst/>
+        </a:effectStyle>
+        <a:effectStyle>
+          <a:effectLst>
+            <a:outerShdw blurRad="57150" dist="19050" dir="5400000" algn="ctr" rotWithShape="0">
+              <a:srgbClr val="000000">
+                <a:alpha val="63000"/>
+              </a:srgbClr>
+            </a:outerShdw>
+          </a:effectLst>
+        </a:effectStyle>
+      </a:effectStyleLst>
+      <a:bgFillStyleLst>
+        <a:solidFill>
+          <a:schemeClr val="phClr"/>
+        </a:solidFill>
+        <a:solidFill>
+          <a:schemeClr val="phClr">
+            <a:tint val="95000"/>
+            <a:satMod val="170000"/>
+          </a:schemeClr>
+        </a:solidFill>
+        <a:gradFill rotWithShape="1">
+          <a:gsLst>
+            <a:gs pos="0">
+              <a:schemeClr val="phClr">
+                <a:tint val="93000"/>
+                <a:satMod val="150000"/>
+                <a:shade val="98000"/>
+                <a:lumMod val="102000"/>
+              </a:schemeClr>
+            </a:gs>
+            <a:gs pos="50000">
+              <a:schemeClr val="phClr">
+                <a:tint val="98000"/>
+                <a:satMod val="130000"/>
+                <a:shade val="90000"/>
+                <a:lumMod val="103000"/>
+              </a:schemeClr>
+            </a:gs>
+            <a:gs pos="100000">
+              <a:schemeClr val="phClr">
+                <a:shade val="63000"/>
+                <a:satMod val="120000"/>
+              </a:schemeClr>
+            </a:gs>
+          </a:gsLst>
+          <a:lin ang="5400000" scaled="0"/>
+        </a:gradFill>
+      </a:bgFillStyleLst>
+    </a:fmtScheme>
+  </a:themeElements>
+  <a:objectDefaults/>
+  <a:extraClrSchemeLst/>
+  <a:extLst>
+    <a:ext uri="{05A4C25C-085E-4340-85A3-A5531E510DB2}">
+      <thm15:themeFamily xmlns:thm15="http://schemas.microsoft.com/office/thememl/2012/main" name="Office Theme" id="{62F939B6-93AF-4DB8-9C6B-D6C7DFDC589F}" vid="{4A3C46E8-61CC-4603-A589-7422A47A8E4A}"/>
+    </a:ext>
+  </a:extLst>
+</a:theme>
+</file>
+
+<file path=ppt/theme/theme3.xml><?xml version="1.0" encoding="utf-8"?>
+<a:theme xmlns:a="http://schemas.openxmlformats.org/drawingml/2006/main" name="Office 佈景主題">
+  <a:themeElements>
+    <a:clrScheme name="Office">
+      <a:dk1>
+        <a:sysClr val="windowText" lastClr="000000"/>
+      </a:dk1>
+      <a:lt1>
+        <a:sysClr val="window" lastClr="FFFFFF"/>
+      </a:lt1>
+      <a:dk2>
+        <a:srgbClr val="44546A"/>
+      </a:dk2>
+      <a:lt2>
+        <a:srgbClr val="E7E6E6"/>
+      </a:lt2>
+      <a:accent1>
+        <a:srgbClr val="4472C4"/>
+      </a:accent1>
+      <a:accent2>
+        <a:srgbClr val="ED7D31"/>
+      </a:accent2>
+      <a:accent3>
+        <a:srgbClr val="A5A5A5"/>
+      </a:accent3>
+      <a:accent4>
+        <a:srgbClr val="FFC000"/>
+      </a:accent4>
+      <a:accent5>
+        <a:srgbClr val="5B9BD5"/>
+      </a:accent5>
+      <a:accent6>
+        <a:srgbClr val="70AD47"/>
+      </a:accent6>
+      <a:hlink>
+        <a:srgbClr val="0563C1"/>
+      </a:hlink>
+      <a:folHlink>
+        <a:srgbClr val="954F72"/>
+      </a:folHlink>
+    </a:clrScheme>
+    <a:fontScheme name="Office">
+      <a:majorFont>
+        <a:latin typeface="Calibri Light" panose="020F0302020204030204"/>
+        <a:ea typeface=""/>
+        <a:cs typeface=""/>
+        <a:font script="Jpan" typeface="游ゴシック Light"/>
+        <a:font script="Hang" typeface="맑은 고딕"/>
+        <a:font script="Hans" typeface="等线 Light"/>
+        <a:font script="Hant" typeface="新細明體"/>
+        <a:font script="Arab" typeface="Times New Roman"/>
+        <a:font script="Hebr" typeface="Times New Roman"/>
+        <a:font script="Thai" typeface="Angsana New"/>
+        <a:font script="Ethi" typeface="Nyala"/>
+        <a:font script="Beng" typeface="Vrinda"/>
+        <a:font script="Gujr" typeface="Shruti"/>
+        <a:font script="Khmr" typeface="MoolBoran"/>
+        <a:font script="Knda" typeface="Tunga"/>
+        <a:font script="Guru" typeface="Raavi"/>
+        <a:font script="Cans" typeface="Euphemia"/>
+        <a:font script="Cher" typeface="Plantagenet Cherokee"/>
+        <a:font script="Yiii" typeface="Microsoft Yi Baiti"/>
+        <a:font script="Tibt" typeface="Microsoft Himalaya"/>
+        <a:font script="Thaa" typeface="MV Boli"/>
+        <a:font script="Deva" typeface="Mangal"/>
+        <a:font script="Telu" typeface="Gautami"/>
+        <a:font script="Taml" typeface="Latha"/>
+        <a:font script="Syrc" typeface="Estrangelo Edessa"/>
+        <a:font script="Orya" typeface="Kalinga"/>
+        <a:font script="Mlym" typeface="Kartika"/>
+        <a:font script="Laoo" typeface="DokChampa"/>
+        <a:font script="Sinh" typeface="Iskoola Pota"/>
+        <a:font script="Mong" typeface="Mongolian Baiti"/>
+        <a:font script="Viet" typeface="Times New Roman"/>
+        <a:font script="Uigh" typeface="Microsoft Uighur"/>
+        <a:font script="Geor" typeface="Sylfaen"/>
+        <a:font script="Armn" typeface="Arial"/>
+        <a:font script="Bugi" typeface="Leelawadee UI"/>
+        <a:font script="Bopo" typeface="Microsoft JhengHei"/>
+        <a:font script="Java" typeface="Javanese Text"/>
+        <a:font script="Lisu" typeface="Segoe UI"/>
+        <a:font script="Mymr" typeface="Myanmar Text"/>
+        <a:font script="Nkoo" typeface="Ebrima"/>
+        <a:font script="Olck" typeface="Nirmala UI"/>
+        <a:font script="Osma" typeface="Ebrima"/>
+        <a:font script="Phag" typeface="Phagspa"/>
+        <a:font script="Syrn" typeface="Estrangelo Edessa"/>
+        <a:font script="Syrj" typeface="Estrangelo Edessa"/>
+        <a:font script="Syre" typeface="Estrangelo Edessa"/>
+        <a:font script="Sora" typeface="Nirmala UI"/>
+        <a:font script="Tale" typeface="Microsoft Tai Le"/>
+        <a:font script="Talu" typeface="Microsoft New Tai Lue"/>
+        <a:font script="Tfng" typeface="Ebrima"/>
+      </a:majorFont>
+      <a:minorFont>
+        <a:latin typeface="Calibri" panose="020F0502020204030204"/>
+        <a:ea typeface=""/>
+        <a:cs typeface=""/>
+        <a:font script="Jpan" typeface="游ゴシック"/>
+        <a:font script="Hang" typeface="맑은 고딕"/>
+        <a:font script="Hans" typeface="等线"/>
+        <a:font script="Hant" typeface="新細明體"/>
+        <a:font script="Arab" typeface="Arial"/>
+        <a:font script="Hebr" typeface="Arial"/>
+        <a:font script="Thai" typeface="Cordia New"/>
+        <a:font script="Ethi" typeface="Nyala"/>
+        <a:font script="Beng" typeface="Vrinda"/>
+        <a:font script="Gujr" typeface="Shruti"/>
+        <a:font script="Khmr" typeface="DaunPenh"/>
+        <a:font script="Knda" typeface="Tunga"/>
+        <a:font script="Guru" typeface="Raavi"/>
+        <a:font script="Cans" typeface="Euphemia"/>
+        <a:font script="Cher" typeface="Plantagenet Cherokee"/>
+        <a:font script="Yiii" typeface="Microsoft Yi Baiti"/>
+        <a:font script="Tibt" typeface="Microsoft Himalaya"/>
+        <a:font script="Thaa" typeface="MV Boli"/>
+        <a:font script="Deva" typeface="Mangal"/>
+        <a:font script="Telu" typeface="Gautami"/>
+        <a:font script="Taml" typeface="Latha"/>
+        <a:font script="Syrc" typeface="Estrangelo Edessa"/>
+        <a:font script="Orya" typeface="Kalinga"/>
+        <a:font script="Mlym" typeface="Kartika"/>
+        <a:font script="Laoo" typeface="DokChampa"/>
+        <a:font script="Sinh" typeface="Iskoola Pota"/>
+        <a:font script="Mong" typeface="Mongolian Baiti"/>
+        <a:font script="Viet" typeface="Arial"/>
+        <a:font script="Uigh" typeface="Microsoft Uighur"/>
+        <a:font script="Geor" typeface="Sylfaen"/>
+        <a:font script="Armn" typeface="Arial"/>
+        <a:font script="Bugi" typeface="Leelawadee UI"/>
+        <a:font script="Bopo" typeface="Microsoft JhengHei"/>
+        <a:font script="Java" typeface="Javanese Text"/>
+        <a:font script="Lisu" typeface="Segoe UI"/>
+        <a:font script="Mymr" typeface="Myanmar Text"/>
+        <a:font script="Nkoo" typeface="Ebrima"/>
+        <a:font script="Olck" typeface="Nirmala UI"/>
+        <a:font script="Osma" typeface="Ebrima"/>
+        <a:font script="Phag" typeface="Phagspa"/>
+        <a:font script="Syrn" typeface="Estrangelo Edessa"/>
+        <a:font script="Syrj" typeface="Estrangelo Edessa"/>
+        <a:font script="Syre" typeface="Estrangelo Edessa"/>
+        <a:font script="Sora" typeface="Nirmala UI"/>
+        <a:font script="Tale" typeface="Microsoft Tai Le"/>
+        <a:font script="Talu" typeface="Microsoft New Tai Lue"/>
+        <a:font script="Tfng" typeface="Ebrima"/>
+      </a:minorFont>
+    </a:fontScheme>
+    <a:fmtScheme name="Office">
+      <a:fillStyleLst>
+        <a:solidFill>
+          <a:schemeClr val="phClr"/>
+        </a:solidFill>
+        <a:gradFill rotWithShape="1">
+          <a:gsLst>
+            <a:gs pos="0">
+              <a:schemeClr val="phClr">
+                <a:lumMod val="110000"/>
+                <a:satMod val="105000"/>
+                <a:tint val="67000"/>
+              </a:schemeClr>
+            </a:gs>
+            <a:gs pos="50000">
+              <a:schemeClr val="phClr">
+                <a:lumMod val="105000"/>
+                <a:satMod val="103000"/>
+                <a:tint val="73000"/>
+              </a:schemeClr>
+            </a:gs>
+            <a:gs pos="100000">
+              <a:schemeClr val="phClr">
+                <a:lumMod val="105000"/>
+                <a:satMod val="109000"/>
+                <a:tint val="81000"/>
+              </a:schemeClr>
+            </a:gs>
+          </a:gsLst>
+          <a:lin ang="5400000" scaled="0"/>
+        </a:gradFill>
+        <a:gradFill rotWithShape="1">
+          <a:gsLst>
+            <a:gs pos="0">
+              <a:schemeClr val="phClr">
+                <a:satMod val="103000"/>
+                <a:lumMod val="102000"/>
+                <a:tint val="94000"/>
+              </a:schemeClr>
+            </a:gs>
+            <a:gs pos="50000">
+              <a:schemeClr val="phClr">
+                <a:satMod val="110000"/>
+                <a:lumMod val="100000"/>
+                <a:shade val="100000"/>
+              </a:schemeClr>
+            </a:gs>
+            <a:gs pos="100000">
+              <a:schemeClr val="phClr">
+                <a:lumMod val="99000"/>
+                <a:satMod val="120000"/>
+                <a:shade val="78000"/>
+              </a:schemeClr>
+            </a:gs>
+          </a:gsLst>
+          <a:lin ang="5400000" scaled="0"/>
+        </a:gradFill>
+      </a:fillStyleLst>
+      <a:lnStyleLst>
+        <a:ln w="6350" cap="flat" cmpd="sng" algn="ctr">
+          <a:solidFill>
+            <a:schemeClr val="phClr"/>
+          </a:solidFill>
+          <a:prstDash val="solid"/>
+          <a:miter lim="800000"/>
+        </a:ln>
+        <a:ln w="12700" cap="flat" cmpd="sng" algn="ctr">
+          <a:solidFill>
+            <a:schemeClr val="phClr"/>
+          </a:solidFill>
+          <a:prstDash val="solid"/>
+          <a:miter lim="800000"/>
+        </a:ln>
+        <a:ln w="19050" cap="flat" cmpd="sng" algn="ctr">
+          <a:solidFill>
+            <a:schemeClr val="phClr"/>
+          </a:solidFill>
+          <a:prstDash val="solid"/>
+          <a:miter lim="800000"/>
+        </a:ln>
+      </a:lnStyleLst>
+      <a:effectStyleLst>
+        <a:effectStyle>
+          <a:effectLst/>
+        </a:effectStyle>
+        <a:effectStyle>
+          <a:effectLst/>
+        </a:effectStyle>
+        <a:effectStyle>
+          <a:effectLst>
+            <a:outerShdw blurRad="57150" dist="19050" dir="5400000" algn="ctr" rotWithShape="0">
+              <a:srgbClr val="000000">
+                <a:alpha val="63000"/>
+              </a:srgbClr>
+            </a:outerShdw>
+          </a:effectLst>
+        </a:effectStyle>
+      </a:effectStyleLst>
+      <a:bgFillStyleLst>
+        <a:solidFill>
+          <a:schemeClr val="phClr"/>
+        </a:solidFill>
+        <a:solidFill>
+          <a:schemeClr val="phClr">
+            <a:tint val="95000"/>
+            <a:satMod val="170000"/>
+          </a:schemeClr>
+        </a:solidFill>
+        <a:gradFill rotWithShape="1">
+          <a:gsLst>
+            <a:gs pos="0">
+              <a:schemeClr val="phClr">
+                <a:tint val="93000"/>
+                <a:satMod val="150000"/>
+                <a:shade val="98000"/>
+                <a:lumMod val="102000"/>
+              </a:schemeClr>
+            </a:gs>
+            <a:gs pos="50000">
+              <a:schemeClr val="phClr">
+                <a:tint val="98000"/>
+                <a:satMod val="130000"/>
+                <a:shade val="90000"/>
+                <a:lumMod val="103000"/>
+              </a:schemeClr>
+            </a:gs>
+            <a:gs pos="100000">
+              <a:schemeClr val="phClr">
+                <a:shade val="63000"/>
+                <a:satMod val="120000"/>
+              </a:schemeClr>
+            </a:gs>
+          </a:gsLst>
+          <a:lin ang="5400000" scaled="0"/>
+        </a:gradFill>
+      </a:bgFillStyleLst>
+    </a:fmtScheme>
+  </a:themeElements>
+  <a:objectDefaults/>
+  <a:extraClrSchemeLst/>
+  <a:extLst>
+    <a:ext uri="{05A4C25C-085E-4340-85A3-A5531E510DB2}">
+      <thm15:themeFamily xmlns:thm15="http://schemas.microsoft.com/office/thememl/2012/main" name="Office Theme" id="{62F939B6-93AF-4DB8-9C6B-D6C7DFDC589F}" vid="{4A3C46E8-61CC-4603-A589-7422A47A8E4A}"/>
     </a:ext>
   </a:extLst>
 </a:theme>
